--- a/notes/14_rules/14_owl_rules.pptx
+++ b/notes/14_rules/14_owl_rules.pptx
@@ -5,10 +5,10 @@
     <p:sldMasterId id="2147483649" r:id="rId1"/>
   </p:sldMasterIdLst>
   <p:notesMasterIdLst>
-    <p:notesMasterId r:id="rId27"/>
+    <p:notesMasterId r:id="rId28"/>
   </p:notesMasterIdLst>
   <p:handoutMasterIdLst>
-    <p:handoutMasterId r:id="rId28"/>
+    <p:handoutMasterId r:id="rId29"/>
   </p:handoutMasterIdLst>
   <p:sldIdLst>
     <p:sldId id="256" r:id="rId2"/>
@@ -25,17 +25,18 @@
     <p:sldId id="393" r:id="rId13"/>
     <p:sldId id="409" r:id="rId14"/>
     <p:sldId id="346" r:id="rId15"/>
-    <p:sldId id="349" r:id="rId16"/>
-    <p:sldId id="396" r:id="rId17"/>
-    <p:sldId id="399" r:id="rId18"/>
-    <p:sldId id="407" r:id="rId19"/>
-    <p:sldId id="382" r:id="rId20"/>
-    <p:sldId id="383" r:id="rId21"/>
-    <p:sldId id="400" r:id="rId22"/>
-    <p:sldId id="404" r:id="rId23"/>
-    <p:sldId id="406" r:id="rId24"/>
-    <p:sldId id="384" r:id="rId25"/>
-    <p:sldId id="385" r:id="rId26"/>
+    <p:sldId id="410" r:id="rId16"/>
+    <p:sldId id="349" r:id="rId17"/>
+    <p:sldId id="396" r:id="rId18"/>
+    <p:sldId id="399" r:id="rId19"/>
+    <p:sldId id="407" r:id="rId20"/>
+    <p:sldId id="382" r:id="rId21"/>
+    <p:sldId id="383" r:id="rId22"/>
+    <p:sldId id="400" r:id="rId23"/>
+    <p:sldId id="404" r:id="rId24"/>
+    <p:sldId id="406" r:id="rId25"/>
+    <p:sldId id="384" r:id="rId26"/>
+    <p:sldId id="385" r:id="rId27"/>
   </p:sldIdLst>
   <p:sldSz cx="9144000" cy="6858000" type="screen4x3"/>
   <p:notesSz cx="9601200" cy="7315200"/>
@@ -583,10 +584,10 @@
           </a:ln>
           <a:extLst>
             <a:ext uri="{FAA26D3D-D897-4be2-8F04-BA451C77F1D7}">
-              <ma14:placeholderFlag xmlns="" xmlns:ma14="http://schemas.microsoft.com/office/mac/drawingml/2011/main" val="1"/>
+              <ma14:placeholderFlag xmlns:ma14="http://schemas.microsoft.com/office/mac/drawingml/2011/main" xmlns="" val="1"/>
             </a:ext>
             <a:ext uri="{909E8E84-426E-40dd-AFC4-6F175D3DCCD1}">
-              <a14:hiddenFill xmlns="" xmlns:a14="http://schemas.microsoft.com/office/drawing/2010/main">
+              <a14:hiddenFill xmlns:a14="http://schemas.microsoft.com/office/drawing/2010/main" xmlns="">
                 <a:solidFill>
                   <a:srgbClr val="FFFFFF"/>
                 </a:solidFill>
@@ -949,17 +950,17 @@
           <a:ln/>
           <a:extLst>
             <a:ext uri="{FAA26D3D-D897-4be2-8F04-BA451C77F1D7}">
-              <ma14:placeholderFlag xmlns="" xmlns:ma14="http://schemas.microsoft.com/office/mac/drawingml/2011/main" val="1"/>
+              <ma14:placeholderFlag xmlns:ma14="http://schemas.microsoft.com/office/mac/drawingml/2011/main" xmlns="" val="1"/>
             </a:ext>
             <a:ext uri="{909E8E84-426E-40dd-AFC4-6F175D3DCCD1}">
-              <a14:hiddenFill xmlns="" xmlns:a14="http://schemas.microsoft.com/office/drawing/2010/main">
+              <a14:hiddenFill xmlns:a14="http://schemas.microsoft.com/office/drawing/2010/main" xmlns="">
                 <a:solidFill>
                   <a:srgbClr val="FFFFFF"/>
                 </a:solidFill>
               </a14:hiddenFill>
             </a:ext>
             <a:ext uri="{91240B29-F687-4f45-9708-019B960494DF}">
-              <a14:hiddenLine xmlns="" xmlns:a14="http://schemas.microsoft.com/office/drawing/2010/main" w="9525">
+              <a14:hiddenLine xmlns:a14="http://schemas.microsoft.com/office/drawing/2010/main" xmlns="" w="9525">
                 <a:solidFill>
                   <a:srgbClr val="000000"/>
                 </a:solidFill>
@@ -1159,14 +1160,14 @@
           <a:ln/>
           <a:extLst>
             <a:ext uri="{909E8E84-426E-40dd-AFC4-6F175D3DCCD1}">
-              <a14:hiddenFill xmlns="" xmlns:a14="http://schemas.microsoft.com/office/drawing/2010/main">
+              <a14:hiddenFill xmlns:a14="http://schemas.microsoft.com/office/drawing/2010/main" xmlns="">
                 <a:solidFill>
                   <a:srgbClr val="FFFFFF"/>
                 </a:solidFill>
               </a14:hiddenFill>
             </a:ext>
             <a:ext uri="{91240B29-F687-4f45-9708-019B960494DF}">
-              <a14:hiddenLine xmlns="" xmlns:a14="http://schemas.microsoft.com/office/drawing/2010/main" w="9525">
+              <a14:hiddenLine xmlns:a14="http://schemas.microsoft.com/office/drawing/2010/main" xmlns="" w="9525">
                 <a:solidFill>
                   <a:srgbClr val="000000"/>
                 </a:solidFill>
@@ -1246,14 +1247,14 @@
           <a:ln/>
           <a:extLst>
             <a:ext uri="{909E8E84-426E-40dd-AFC4-6F175D3DCCD1}">
-              <a14:hiddenFill xmlns="" xmlns:a14="http://schemas.microsoft.com/office/drawing/2010/main">
+              <a14:hiddenFill xmlns:a14="http://schemas.microsoft.com/office/drawing/2010/main" xmlns="">
                 <a:solidFill>
                   <a:srgbClr val="FFFFFF"/>
                 </a:solidFill>
               </a14:hiddenFill>
             </a:ext>
             <a:ext uri="{91240B29-F687-4f45-9708-019B960494DF}">
-              <a14:hiddenLine xmlns="" xmlns:a14="http://schemas.microsoft.com/office/drawing/2010/main" w="9525">
+              <a14:hiddenLine xmlns:a14="http://schemas.microsoft.com/office/drawing/2010/main" xmlns="" w="9525">
                 <a:solidFill>
                   <a:srgbClr val="000000"/>
                 </a:solidFill>
@@ -3442,10 +3443,10 @@
           </a:ln>
           <a:extLst>
             <a:ext uri="{FAA26D3D-D897-4be2-8F04-BA451C77F1D7}">
-              <ma14:placeholderFlag xmlns="" xmlns:ma14="http://schemas.microsoft.com/office/mac/drawingml/2011/main" val="1"/>
+              <ma14:placeholderFlag xmlns:ma14="http://schemas.microsoft.com/office/mac/drawingml/2011/main" xmlns="" val="1"/>
             </a:ext>
             <a:ext uri="{91240B29-F687-4f45-9708-019B960494DF}">
-              <a14:hiddenLine xmlns="" xmlns:a14="http://schemas.microsoft.com/office/drawing/2010/main" w="9525">
+              <a14:hiddenLine xmlns:a14="http://schemas.microsoft.com/office/drawing/2010/main" xmlns="" w="9525">
                 <a:solidFill>
                   <a:srgbClr val="000000"/>
                 </a:solidFill>
@@ -3496,17 +3497,17 @@
           </a:ln>
           <a:extLst>
             <a:ext uri="{FAA26D3D-D897-4be2-8F04-BA451C77F1D7}">
-              <ma14:placeholderFlag xmlns="" xmlns:ma14="http://schemas.microsoft.com/office/mac/drawingml/2011/main" val="1"/>
+              <ma14:placeholderFlag xmlns:ma14="http://schemas.microsoft.com/office/mac/drawingml/2011/main" xmlns="" val="1"/>
             </a:ext>
             <a:ext uri="{909E8E84-426E-40dd-AFC4-6F175D3DCCD1}">
-              <a14:hiddenFill xmlns="" xmlns:a14="http://schemas.microsoft.com/office/drawing/2010/main">
+              <a14:hiddenFill xmlns:a14="http://schemas.microsoft.com/office/drawing/2010/main" xmlns="">
                 <a:solidFill>
                   <a:srgbClr val="FFFFFF"/>
                 </a:solidFill>
               </a14:hiddenFill>
             </a:ext>
             <a:ext uri="{91240B29-F687-4f45-9708-019B960494DF}">
-              <a14:hiddenLine xmlns="" xmlns:a14="http://schemas.microsoft.com/office/drawing/2010/main" w="9525">
+              <a14:hiddenLine xmlns:a14="http://schemas.microsoft.com/office/drawing/2010/main" xmlns="" w="9525">
                 <a:solidFill>
                   <a:srgbClr val="000000"/>
                 </a:solidFill>
@@ -4070,7 +4071,7 @@
           <a:noFill/>
           <a:extLst>
             <a:ext uri="{909E8E84-426E-40dd-AFC4-6F175D3DCCD1}">
-              <a14:hiddenFill xmlns="" xmlns:a14="http://schemas.microsoft.com/office/drawing/2010/main">
+              <a14:hiddenFill xmlns:a14="http://schemas.microsoft.com/office/drawing/2010/main" xmlns="">
                 <a:solidFill>
                   <a:srgbClr val="E1F4FF"/>
                 </a:solidFill>
@@ -4128,14 +4129,14 @@
           </a:ln>
           <a:extLst>
             <a:ext uri="{909E8E84-426E-40dd-AFC4-6F175D3DCCD1}">
-              <a14:hiddenFill xmlns="" xmlns:a14="http://schemas.microsoft.com/office/drawing/2010/main">
+              <a14:hiddenFill xmlns:a14="http://schemas.microsoft.com/office/drawing/2010/main" xmlns="">
                 <a:solidFill>
                   <a:srgbClr val="FFFFFF"/>
                 </a:solidFill>
               </a14:hiddenFill>
             </a:ext>
             <a:ext uri="{91240B29-F687-4f45-9708-019B960494DF}">
-              <a14:hiddenLine xmlns="" xmlns:a14="http://schemas.microsoft.com/office/drawing/2010/main" w="9525">
+              <a14:hiddenLine xmlns:a14="http://schemas.microsoft.com/office/drawing/2010/main" xmlns="" w="9525">
                 <a:solidFill>
                   <a:srgbClr val="000000"/>
                 </a:solidFill>
@@ -4571,6 +4572,73 @@
               </a:rPr>
               <a:t>(X,Y)</a:t>
             </a:r>
+            <a:br>
+              <a:rPr lang="en-US" dirty="0">
+                <a:latin typeface="Calibri" charset="0"/>
+                <a:ea typeface="ＭＳ Ｐゴシック" charset="0"/>
+              </a:rPr>
+            </a:br>
+            <a:r>
+              <a:rPr lang="en-US" dirty="0"/>
+              <a:t>∀</a:t>
+            </a:r>
+            <a:r>
+              <a:rPr lang="en-US" dirty="0">
+                <a:latin typeface="Calibri" charset="0"/>
+                <a:ea typeface="ＭＳ Ｐゴシック" charset="0"/>
+              </a:rPr>
+              <a:t>X </a:t>
+            </a:r>
+            <a:r>
+              <a:rPr lang="en-US" dirty="0" err="1">
+                <a:latin typeface="Calibri" charset="0"/>
+                <a:ea typeface="ＭＳ Ｐゴシック" charset="0"/>
+              </a:rPr>
+              <a:t>isParent</a:t>
+            </a:r>
+            <a:r>
+              <a:rPr lang="en-US" dirty="0">
+                <a:latin typeface="Calibri" charset="0"/>
+                <a:ea typeface="ＭＳ Ｐゴシック" charset="0"/>
+              </a:rPr>
+              <a:t>(X) </a:t>
+            </a:r>
+            <a:r>
+              <a:rPr lang="en-US" dirty="0"/>
+              <a:t>→</a:t>
+            </a:r>
+            <a:r>
+              <a:rPr lang="en-US" dirty="0">
+                <a:latin typeface="Calibri" charset="0"/>
+                <a:ea typeface="ＭＳ Ｐゴシック" charset="0"/>
+              </a:rPr>
+              <a:t>  </a:t>
+            </a:r>
+            <a:r>
+              <a:rPr lang="en-US" dirty="0"/>
+              <a:t>∃</a:t>
+            </a:r>
+            <a:r>
+              <a:rPr lang="en-US" dirty="0">
+                <a:latin typeface="Calibri" charset="0"/>
+                <a:ea typeface="ＭＳ Ｐゴシック" charset="0"/>
+              </a:rPr>
+              <a:t>Y </a:t>
+            </a:r>
+            <a:r>
+              <a:rPr lang="en-US" dirty="0" err="1">
+                <a:latin typeface="Calibri" charset="0"/>
+                <a:ea typeface="ＭＳ Ｐゴシック" charset="0"/>
+              </a:rPr>
+              <a:t>hasChild</a:t>
+            </a:r>
+            <a:r>
+              <a:rPr lang="en-US" dirty="0">
+                <a:latin typeface="Calibri" charset="0"/>
+                <a:ea typeface="ＭＳ Ｐゴシック" charset="0"/>
+              </a:rPr>
+              <a:t>(X,Y)</a:t>
+            </a:r>
           </a:p>
           <a:p>
             <a:pPr>
@@ -5198,13 +5266,13 @@
           <a:p>
             <a:r>
               <a:rPr lang="en-US" dirty="0"/>
-              <a:t>Prolog’s procedural elements make it very useful, if used in moderation</a:t>
+              <a:t>Prolog’s procedural elements make it very useful, when used in moderation</a:t>
             </a:r>
           </a:p>
           <a:p>
             <a:r>
               <a:rPr lang="en-US" dirty="0"/>
-              <a:t>One is it’s unprovable operator, \+</a:t>
+              <a:t>One element is it’s unprovable operator, \+</a:t>
             </a:r>
           </a:p>
           <a:p>
@@ -5291,14 +5359,14 @@
           <a:lstStyle/>
           <a:p>
             <a:r>
-              <a:rPr lang="en-US">
-                <a:latin typeface="Calibri" charset="0"/>
-                <a:ea typeface="ＭＳ Ｐゴシック" charset="0"/>
-                <a:cs typeface="ＭＳ Ｐゴシック" charset="0"/>
-              </a:rPr>
-              <a:t>Non-ground entailment</a:t>
-            </a:r>
-            <a:endParaRPr lang="el-GR">
+              <a:rPr lang="en-US" dirty="0">
+                <a:latin typeface="Calibri" charset="0"/>
+                <a:ea typeface="ＭＳ Ｐゴシック" charset="0"/>
+                <a:cs typeface="ＭＳ Ｐゴシック" charset="0"/>
+              </a:rPr>
+              <a:t>Non-ground entailment (1)</a:t>
+            </a:r>
+            <a:endParaRPr lang="el-GR" dirty="0">
               <a:latin typeface="Calibri" charset="0"/>
               <a:ea typeface="ＭＳ Ｐゴシック" charset="0"/>
               <a:cs typeface="ＭＳ Ｐゴシック" charset="0"/>
@@ -5359,7 +5427,7 @@
                 <a:ea typeface="ＭＳ Ｐゴシック" charset="0"/>
                 <a:cs typeface="ＭＳ Ｐゴシック" charset="0"/>
               </a:rPr>
-              <a:t>Because of this, Horn clause reasoners can not derive rules, so that can not do general </a:t>
+              <a:t>Because of this, LP horn clause reasoners can not derive rules, so that can not do general </a:t>
             </a:r>
             <a:r>
               <a:rPr lang="en-US" dirty="0" err="1">
@@ -5439,7 +5507,7 @@
       </p:grpSpPr>
       <p:sp>
         <p:nvSpPr>
-          <p:cNvPr id="23553" name="Rectangle 2"/>
+          <p:cNvPr id="22529" name="Rectangle 2"/>
           <p:cNvSpPr>
             <a:spLocks noGrp="1" noChangeArrowheads="1"/>
           </p:cNvSpPr>
@@ -5449,7 +5517,7 @@
         </p:nvSpPr>
         <p:spPr>
           <a:xfrm>
-            <a:off x="490538" y="304800"/>
+            <a:off x="490538" y="381000"/>
             <a:ext cx="8162925" cy="762000"/>
           </a:xfrm>
         </p:spPr>
@@ -5458,14 +5526,14 @@
           <a:lstStyle/>
           <a:p>
             <a:r>
-              <a:rPr lang="en-US" sz="4000">
-                <a:latin typeface="Calibri" charset="0"/>
-                <a:ea typeface="ＭＳ Ｐゴシック" charset="0"/>
-                <a:cs typeface="ＭＳ Ｐゴシック" charset="0"/>
-              </a:rPr>
-              <a:t>Decidability</a:t>
-            </a:r>
-            <a:endParaRPr lang="el-GR" sz="4000">
+              <a:rPr lang="en-US" dirty="0">
+                <a:latin typeface="Calibri" charset="0"/>
+                <a:ea typeface="ＭＳ Ｐゴシック" charset="0"/>
+                <a:cs typeface="ＭＳ Ｐゴシック" charset="0"/>
+              </a:rPr>
+              <a:t>Non-ground entailment (2)</a:t>
+            </a:r>
+            <a:endParaRPr lang="el-GR" dirty="0">
               <a:latin typeface="Calibri" charset="0"/>
               <a:ea typeface="ＭＳ Ｐゴシック" charset="0"/>
               <a:cs typeface="ＭＳ Ｐゴシック" charset="0"/>
@@ -5475,184 +5543,154 @@
       </p:sp>
       <p:sp>
         <p:nvSpPr>
-          <p:cNvPr id="24578" name="Rectangle 3"/>
+          <p:cNvPr id="22530" name="Rectangle 3"/>
           <p:cNvSpPr>
             <a:spLocks noGrp="1" noChangeArrowheads="1"/>
           </p:cNvSpPr>
           <p:nvPr>
-            <p:ph type="body" idx="1"/>
+            <p:ph type="body" sz="half" idx="1"/>
           </p:nvPr>
         </p:nvSpPr>
         <p:spPr>
           <a:xfrm>
-            <a:off x="342900" y="1371600"/>
-            <a:ext cx="8458200" cy="4724400"/>
+            <a:off x="539749" y="1341438"/>
+            <a:ext cx="8162925" cy="4953000"/>
           </a:xfrm>
         </p:spPr>
         <p:txBody>
           <a:bodyPr/>
           <a:lstStyle/>
           <a:p>
-            <a:pPr>
-              <a:defRPr/>
-            </a:pPr>
-            <a:r>
-              <a:rPr lang="en-US" dirty="0">
-                <a:ea typeface="ＭＳ Ｐゴシック" charset="0"/>
-                <a:cs typeface="ＭＳ Ｐゴシック" charset="0"/>
-              </a:rPr>
-              <a:t>The largest obstacle!</a:t>
+            <a:r>
+              <a:rPr lang="en-US" dirty="0">
+                <a:latin typeface="Calibri" charset="0"/>
+                <a:ea typeface="ＭＳ Ｐゴシック" charset="0"/>
+                <a:cs typeface="ＭＳ Ｐゴシック" charset="0"/>
+              </a:rPr>
+              <a:t>A horn-clause reasoner can’t do the following</a:t>
+            </a:r>
+          </a:p>
+          <a:p>
+            <a:r>
+              <a:rPr lang="en-US" dirty="0">
+                <a:latin typeface="Calibri" charset="0"/>
+                <a:ea typeface="ＭＳ Ｐゴシック" charset="0"/>
+                <a:cs typeface="ＭＳ Ｐゴシック" charset="0"/>
+              </a:rPr>
+              <a:t>Given</a:t>
             </a:r>
           </a:p>
           <a:p>
             <a:pPr marL="395287" lvl="1" indent="0">
-              <a:buFontTx/>
               <a:buNone/>
-              <a:defRPr/>
-            </a:pPr>
-            <a:r>
-              <a:rPr lang="en-US" dirty="0">
-                <a:ea typeface="ＭＳ Ｐゴシック" charset="0"/>
-              </a:rPr>
-              <a:t>Tradeoff between expressiveness and decidability</a:t>
-            </a:r>
-          </a:p>
-          <a:p>
-            <a:pPr>
-              <a:defRPr/>
-            </a:pPr>
-            <a:r>
-              <a:rPr lang="en-US" dirty="0">
-                <a:ea typeface="ＭＳ Ｐゴシック" charset="0"/>
-                <a:cs typeface="ＭＳ Ｐゴシック" charset="0"/>
-              </a:rPr>
-              <a:t>Facing decidability issues from</a:t>
-            </a:r>
-          </a:p>
-          <a:p>
-            <a:pPr lvl="1">
-              <a:defRPr/>
-            </a:pPr>
-            <a:r>
-              <a:rPr lang="en-US" dirty="0">
-                <a:ea typeface="ＭＳ Ｐゴシック" charset="0"/>
-              </a:rPr>
-              <a:t>In </a:t>
-            </a:r>
-            <a:r>
-              <a:rPr lang="en-US" dirty="0">
-                <a:solidFill>
-                  <a:srgbClr val="FF0000"/>
-                </a:solidFill>
-                <a:ea typeface="ＭＳ Ｐゴシック" charset="0"/>
-              </a:rPr>
-              <a:t>LP</a:t>
-            </a:r>
-            <a:r>
-              <a:rPr lang="en-US" dirty="0">
-                <a:ea typeface="ＭＳ Ｐゴシック" charset="0"/>
-              </a:rPr>
-              <a:t>: Finiteness of the domain</a:t>
-            </a:r>
-          </a:p>
-          <a:p>
-            <a:pPr lvl="1">
-              <a:defRPr/>
-            </a:pPr>
-            <a:r>
-              <a:rPr lang="en-US" dirty="0">
-                <a:ea typeface="ＭＳ Ｐゴシック" charset="0"/>
-              </a:rPr>
-              <a:t>In </a:t>
-            </a:r>
-            <a:r>
-              <a:rPr lang="en-US" dirty="0">
-                <a:solidFill>
-                  <a:srgbClr val="008000"/>
-                </a:solidFill>
-                <a:ea typeface="ＭＳ Ｐゴシック" charset="0"/>
-              </a:rPr>
-              <a:t>classical logic</a:t>
-            </a:r>
-            <a:r>
-              <a:rPr lang="en-US" dirty="0">
-                <a:ea typeface="ＭＳ Ｐゴシック" charset="0"/>
-              </a:rPr>
-              <a:t> (and thus in DL ): combination of constructs</a:t>
-            </a:r>
-            <a:endParaRPr lang="en-US" sz="2400" dirty="0">
-              <a:ea typeface="ＭＳ Ｐゴシック" charset="0"/>
-            </a:endParaRPr>
-          </a:p>
-          <a:p>
-            <a:pPr>
-              <a:defRPr/>
-            </a:pPr>
-            <a:r>
-              <a:rPr lang="en-US" dirty="0">
-                <a:solidFill>
-                  <a:srgbClr val="FF0000"/>
-                </a:solidFill>
-                <a:ea typeface="ＭＳ Ｐゴシック" charset="0"/>
-                <a:cs typeface="ＭＳ Ｐゴシック" charset="0"/>
-              </a:rPr>
-              <a:t>Problem:</a:t>
-            </a:r>
-          </a:p>
-          <a:p>
-            <a:pPr>
-              <a:buFont typeface="Wingdings" charset="0"/>
+            </a:pPr>
+            <a:r>
+              <a:rPr lang="en-US" sz="2400" dirty="0">
+                <a:latin typeface="Calibri" charset="0"/>
+                <a:ea typeface="ＭＳ Ｐゴシック" charset="0"/>
+                <a:cs typeface="ＭＳ Ｐゴシック" charset="0"/>
+              </a:rPr>
+              <a:t>animal(?X) </a:t>
+            </a:r>
+            <a:r>
+              <a:rPr lang="en-US" sz="2400" dirty="0"/>
+              <a:t>∧ disease(?D) ∧ has(?X,?D) → </a:t>
+            </a:r>
+            <a:r>
+              <a:rPr lang="en-US" sz="2400" dirty="0" err="1"/>
+              <a:t>sickAnimal</a:t>
+            </a:r>
+            <a:r>
+              <a:rPr lang="en-US" sz="2400" dirty="0"/>
+              <a:t>(?x)</a:t>
+            </a:r>
+          </a:p>
+          <a:p>
+            <a:pPr marL="395287" lvl="1" indent="0">
               <a:buNone/>
-              <a:defRPr/>
-            </a:pPr>
-            <a:r>
-              <a:rPr lang="en-US" sz="2800" dirty="0">
-                <a:ea typeface="ＭＳ Ｐゴシック" charset="0"/>
-                <a:cs typeface="ＭＳ Ｐゴシック" charset="0"/>
-              </a:rPr>
-              <a:t>	Combination of “simple” DLs and Horn Logic are </a:t>
-            </a:r>
-            <a:r>
-              <a:rPr lang="en-US" sz="2800" dirty="0" err="1">
-                <a:ea typeface="ＭＳ Ｐゴシック" charset="0"/>
-                <a:cs typeface="ＭＳ Ｐゴシック" charset="0"/>
-              </a:rPr>
-              <a:t>undecidable</a:t>
-            </a:r>
-            <a:r>
-              <a:rPr lang="en-US" sz="2800" dirty="0">
-                <a:ea typeface="ＭＳ Ｐゴシック" charset="0"/>
-                <a:cs typeface="ＭＳ Ｐゴシック" charset="0"/>
-              </a:rPr>
-              <a:t>. (Levy &amp; </a:t>
-            </a:r>
-            <a:r>
-              <a:rPr lang="en-US" sz="2800" dirty="0" err="1">
-                <a:ea typeface="ＭＳ Ｐゴシック" charset="0"/>
-                <a:cs typeface="ＭＳ Ｐゴシック" charset="0"/>
-              </a:rPr>
-              <a:t>Rousset</a:t>
-            </a:r>
-            <a:r>
-              <a:rPr lang="en-US" sz="2800" dirty="0">
-                <a:ea typeface="ＭＳ Ｐゴシック" charset="0"/>
-                <a:cs typeface="ＭＳ Ｐゴシック" charset="0"/>
-              </a:rPr>
-              <a:t>, 1998)</a:t>
-            </a:r>
-            <a:endParaRPr lang="el-GR" sz="2800" dirty="0">
-              <a:ea typeface="ＭＳ Ｐゴシック" charset="0"/>
-              <a:cs typeface="ＭＳ Ｐゴシック" charset="0"/>
-            </a:endParaRPr>
+            </a:pPr>
+            <a:r>
+              <a:rPr lang="en-US" sz="2400" dirty="0">
+                <a:latin typeface="Calibri" charset="0"/>
+                <a:ea typeface="ＭＳ Ｐゴシック" charset="0"/>
+                <a:cs typeface="ＭＳ Ｐゴシック" charset="0"/>
+              </a:rPr>
+              <a:t>dog(?X) </a:t>
+            </a:r>
+            <a:r>
+              <a:rPr lang="en-US" sz="2400" dirty="0"/>
+              <a:t>→ animal(?X)</a:t>
+            </a:r>
+          </a:p>
+          <a:p>
+            <a:pPr marL="395287" lvl="1" indent="0">
+              <a:buNone/>
+            </a:pPr>
+            <a:r>
+              <a:rPr lang="en-US" sz="2400" dirty="0"/>
+              <a:t>disease(rabies)</a:t>
+            </a:r>
+          </a:p>
+          <a:p>
+            <a:pPr marL="450850" indent="-457200"/>
+            <a:r>
+              <a:rPr lang="en-US" dirty="0"/>
+              <a:t>Derive a new rule </a:t>
+            </a:r>
+            <a:br>
+              <a:rPr lang="en-US" sz="2400" dirty="0">
+                <a:latin typeface="Calibri" charset="0"/>
+                <a:ea typeface="ＭＳ Ｐゴシック" charset="0"/>
+              </a:rPr>
+            </a:br>
+            <a:r>
+              <a:rPr lang="en-US" sz="2400" dirty="0">
+                <a:latin typeface="Calibri" charset="0"/>
+                <a:ea typeface="ＭＳ Ｐゴシック" charset="0"/>
+              </a:rPr>
+              <a:t>dog(?X), has(?X, rabies) </a:t>
+            </a:r>
+            <a:r>
+              <a:rPr lang="en-US" sz="2400" dirty="0"/>
+              <a:t>→ </a:t>
+            </a:r>
+            <a:r>
+              <a:rPr lang="en-US" sz="2400" dirty="0" err="1"/>
+              <a:t>sickAnimal</a:t>
+            </a:r>
+            <a:r>
+              <a:rPr lang="en-US" sz="2400" dirty="0"/>
+              <a:t>(?X)</a:t>
+            </a:r>
+          </a:p>
+          <a:p>
+            <a:pPr marL="450850" indent="-457200"/>
+            <a:r>
+              <a:rPr lang="en-US" dirty="0"/>
+              <a:t>Even though it follows from the underlying logic</a:t>
+            </a:r>
+          </a:p>
+          <a:p>
+            <a:pPr marL="395287" lvl="1" indent="0">
+              <a:buNone/>
+            </a:pPr>
+            <a:endParaRPr lang="en-US" sz="2400" dirty="0"/>
           </a:p>
         </p:txBody>
       </p:sp>
     </p:spTree>
+    <p:extLst>
+      <p:ext uri="{BB962C8B-B14F-4D97-AF65-F5344CB8AC3E}">
+        <p14:creationId xmlns:p14="http://schemas.microsoft.com/office/powerpoint/2010/main" val="1883960358"/>
+      </p:ext>
+    </p:extLst>
   </p:cSld>
   <p:clrMapOvr>
     <a:masterClrMapping/>
   </p:clrMapOvr>
-  <p:transition/>
+  <p:transition spd="slow">
+    <p:push dir="u"/>
+  </p:transition>
 </p:sld>
 </file>
 
@@ -5675,58 +5713,18 @@
       </p:grpSpPr>
       <p:sp>
         <p:nvSpPr>
-          <p:cNvPr id="27649" name="Title 1"/>
+          <p:cNvPr id="23553" name="Rectangle 2"/>
           <p:cNvSpPr>
-            <a:spLocks noGrp="1"/>
+            <a:spLocks noGrp="1" noChangeArrowheads="1"/>
           </p:cNvSpPr>
           <p:nvPr>
             <p:ph type="title"/>
           </p:nvPr>
         </p:nvSpPr>
-        <p:spPr/>
-        <p:txBody>
-          <a:bodyPr/>
-          <a:lstStyle/>
-          <a:p>
-            <a:r>
-              <a:rPr lang="en-US" dirty="0">
-                <a:latin typeface="Calibri" charset="0"/>
-                <a:ea typeface="ＭＳ Ｐゴシック" charset="0"/>
-                <a:cs typeface="ＭＳ Ｐゴシック" charset="0"/>
-              </a:rPr>
-              <a:t>SWRL: </a:t>
-            </a:r>
-            <a:r>
-              <a:rPr lang="en-US" altLang="ko-KR" dirty="0">
-                <a:latin typeface="Calibri" charset="0"/>
-                <a:ea typeface="ＭＳ Ｐゴシック" charset="0"/>
-                <a:cs typeface="ＭＳ Ｐゴシック" charset="0"/>
-                <a:hlinkClick r:id="rId2"/>
-              </a:rPr>
-              <a:t>Semantic Web Rule Language</a:t>
-            </a:r>
-            <a:endParaRPr lang="en-US" dirty="0">
-              <a:latin typeface="Calibri" charset="0"/>
-              <a:ea typeface="ＭＳ Ｐゴシック" charset="0"/>
-              <a:cs typeface="ＭＳ Ｐゴシック" charset="0"/>
-            </a:endParaRPr>
-          </a:p>
-        </p:txBody>
-      </p:sp>
-      <p:sp>
-        <p:nvSpPr>
-          <p:cNvPr id="27650" name="Content Placeholder 2"/>
-          <p:cNvSpPr>
-            <a:spLocks noGrp="1"/>
-          </p:cNvSpPr>
-          <p:nvPr>
-            <p:ph idx="1"/>
-          </p:nvPr>
-        </p:nvSpPr>
         <p:spPr>
           <a:xfrm>
-            <a:off x="395288" y="1196975"/>
-            <a:ext cx="8748712" cy="4967288"/>
+            <a:off x="490538" y="304800"/>
+            <a:ext cx="8162925" cy="762000"/>
           </a:xfrm>
         </p:spPr>
         <p:txBody>
@@ -5734,132 +5732,189 @@
           <a:lstStyle/>
           <a:p>
             <a:r>
-              <a:rPr lang="en-US" altLang="ko-KR" dirty="0">
-                <a:latin typeface="Calibri" charset="0"/>
-                <a:ea typeface="ＭＳ Ｐゴシック" charset="0"/>
-                <a:cs typeface="ＭＳ Ｐゴシック" charset="0"/>
-              </a:rPr>
-              <a:t>SWRL is the </a:t>
-            </a:r>
-            <a:r>
-              <a:rPr lang="en-US" altLang="ko-KR" b="1" dirty="0">
-                <a:latin typeface="Calibri" charset="0"/>
-                <a:ea typeface="ＭＳ Ｐゴシック" charset="0"/>
-                <a:cs typeface="ＭＳ Ｐゴシック" charset="0"/>
-              </a:rPr>
-              <a:t>union</a:t>
-            </a:r>
-            <a:r>
-              <a:rPr lang="en-US" altLang="ko-KR" dirty="0">
-                <a:latin typeface="Calibri" charset="0"/>
-                <a:ea typeface="ＭＳ Ｐゴシック" charset="0"/>
-                <a:cs typeface="ＭＳ Ｐゴシック" charset="0"/>
-              </a:rPr>
-              <a:t> of DL and horn logic + many built-in functions (e.g., for math) </a:t>
-            </a:r>
-          </a:p>
-          <a:p>
-            <a:r>
-              <a:rPr lang="en-US" altLang="ko-KR" dirty="0">
-                <a:latin typeface="Calibri" charset="0"/>
-                <a:ea typeface="ＭＳ Ｐゴシック" charset="0"/>
-                <a:cs typeface="ＭＳ Ｐゴシック" charset="0"/>
-              </a:rPr>
-              <a:t>Submitted to W3C in 2004, but failed to become a recommendation (led to</a:t>
-            </a:r>
-            <a:r>
-              <a:rPr lang="en-US" altLang="ko-KR" dirty="0">
-                <a:latin typeface="Calibri" charset="0"/>
-                <a:ea typeface="ＭＳ Ｐゴシック" charset="0"/>
-              </a:rPr>
-              <a:t> </a:t>
-            </a:r>
-            <a:r>
-              <a:rPr lang="en-US" altLang="ko-KR" dirty="0">
-                <a:latin typeface="Calibri" charset="0"/>
-                <a:ea typeface="ＭＳ Ｐゴシック" charset="0"/>
-                <a:hlinkClick r:id="rId3"/>
-              </a:rPr>
-              <a:t>RIF</a:t>
-            </a:r>
-            <a:r>
-              <a:rPr lang="en-US" altLang="ko-KR" dirty="0">
-                <a:latin typeface="Calibri" charset="0"/>
-                <a:ea typeface="ＭＳ Ｐゴシック" charset="0"/>
-              </a:rPr>
-              <a:t>)</a:t>
-            </a:r>
-          </a:p>
-          <a:p>
-            <a:r>
-              <a:rPr lang="en-US" altLang="ko-KR" dirty="0">
-                <a:latin typeface="Calibri" charset="0"/>
-                <a:ea typeface="ＭＳ Ｐゴシック" charset="0"/>
-                <a:cs typeface="ＭＳ Ｐゴシック" charset="0"/>
-              </a:rPr>
-              <a:t>Problem: full SWRL specification leads to </a:t>
-            </a:r>
-            <a:r>
-              <a:rPr lang="en-US" altLang="ko-KR" dirty="0">
-                <a:latin typeface="Calibri" charset="0"/>
-                <a:ea typeface="ＭＳ Ｐゴシック" charset="0"/>
-                <a:cs typeface="ＭＳ Ｐゴシック" charset="0"/>
-                <a:hlinkClick r:id="rId4"/>
-              </a:rPr>
-              <a:t>undecidability</a:t>
-            </a:r>
-            <a:r>
-              <a:rPr lang="en-US" altLang="ko-KR" dirty="0">
-                <a:latin typeface="Calibri" charset="0"/>
-                <a:ea typeface="ＭＳ Ｐゴシック" charset="0"/>
-                <a:cs typeface="ＭＳ Ｐゴシック" charset="0"/>
-              </a:rPr>
-              <a:t> in reasoning</a:t>
-            </a:r>
-          </a:p>
-          <a:p>
-            <a:r>
-              <a:rPr lang="en-US" altLang="ko-KR" dirty="0">
-                <a:latin typeface="Calibri" charset="0"/>
-                <a:ea typeface="ＭＳ Ｐゴシック" charset="0"/>
-                <a:cs typeface="ＭＳ Ｐゴシック" charset="0"/>
-              </a:rPr>
-              <a:t> SWRL is well specified and subsets are widely supported (e.g., in Pellet, </a:t>
-            </a:r>
-            <a:r>
-              <a:rPr lang="en-US" altLang="ko-KR" dirty="0" err="1">
-                <a:latin typeface="Calibri" charset="0"/>
-                <a:ea typeface="ＭＳ Ｐゴシック" charset="0"/>
-                <a:cs typeface="ＭＳ Ｐゴシック" charset="0"/>
-              </a:rPr>
-              <a:t>HermiT</a:t>
-            </a:r>
-            <a:r>
-              <a:rPr lang="en-US" altLang="ko-KR" dirty="0">
-                <a:latin typeface="Calibri" charset="0"/>
-                <a:ea typeface="ＭＳ Ｐゴシック" charset="0"/>
-                <a:cs typeface="ＭＳ Ｐゴシック" charset="0"/>
-              </a:rPr>
-              <a:t>)</a:t>
+              <a:rPr lang="en-US" sz="4000">
+                <a:latin typeface="Calibri" charset="0"/>
+                <a:ea typeface="ＭＳ Ｐゴシック" charset="0"/>
+                <a:cs typeface="ＭＳ Ｐゴシック" charset="0"/>
+              </a:rPr>
+              <a:t>Decidability</a:t>
+            </a:r>
+            <a:endParaRPr lang="el-GR" sz="4000">
+              <a:latin typeface="Calibri" charset="0"/>
+              <a:ea typeface="ＭＳ Ｐゴシック" charset="0"/>
+              <a:cs typeface="ＭＳ Ｐゴシック" charset="0"/>
+            </a:endParaRPr>
+          </a:p>
+        </p:txBody>
+      </p:sp>
+      <p:sp>
+        <p:nvSpPr>
+          <p:cNvPr id="24578" name="Rectangle 3"/>
+          <p:cNvSpPr>
+            <a:spLocks noGrp="1" noChangeArrowheads="1"/>
+          </p:cNvSpPr>
+          <p:nvPr>
+            <p:ph type="body" idx="1"/>
+          </p:nvPr>
+        </p:nvSpPr>
+        <p:spPr>
+          <a:xfrm>
+            <a:off x="342900" y="1371600"/>
+            <a:ext cx="8458200" cy="4724400"/>
+          </a:xfrm>
+        </p:spPr>
+        <p:txBody>
+          <a:bodyPr/>
+          <a:lstStyle/>
+          <a:p>
+            <a:pPr>
+              <a:defRPr/>
+            </a:pPr>
+            <a:r>
+              <a:rPr lang="en-US" dirty="0">
+                <a:ea typeface="ＭＳ Ｐゴシック" charset="0"/>
+                <a:cs typeface="ＭＳ Ｐゴシック" charset="0"/>
+              </a:rPr>
+              <a:t>The largest obstacle!</a:t>
+            </a:r>
+          </a:p>
+          <a:p>
+            <a:pPr marL="395287" lvl="1" indent="0">
+              <a:buFontTx/>
+              <a:buNone/>
+              <a:defRPr/>
+            </a:pPr>
+            <a:r>
+              <a:rPr lang="en-US" dirty="0">
+                <a:ea typeface="ＭＳ Ｐゴシック" charset="0"/>
+              </a:rPr>
+              <a:t>Tradeoff between expressiveness and decidability</a:t>
+            </a:r>
+          </a:p>
+          <a:p>
+            <a:pPr>
+              <a:defRPr/>
+            </a:pPr>
+            <a:r>
+              <a:rPr lang="en-US" dirty="0">
+                <a:ea typeface="ＭＳ Ｐゴシック" charset="0"/>
+                <a:cs typeface="ＭＳ Ｐゴシック" charset="0"/>
+              </a:rPr>
+              <a:t>Facing decidability issues from</a:t>
+            </a:r>
+          </a:p>
+          <a:p>
+            <a:pPr lvl="1">
+              <a:defRPr/>
+            </a:pPr>
+            <a:r>
+              <a:rPr lang="en-US" dirty="0">
+                <a:ea typeface="ＭＳ Ｐゴシック" charset="0"/>
+              </a:rPr>
+              <a:t>In </a:t>
+            </a:r>
+            <a:r>
+              <a:rPr lang="en-US" dirty="0">
+                <a:solidFill>
+                  <a:srgbClr val="FF0000"/>
+                </a:solidFill>
+                <a:ea typeface="ＭＳ Ｐゴシック" charset="0"/>
+              </a:rPr>
+              <a:t>LP</a:t>
+            </a:r>
+            <a:r>
+              <a:rPr lang="en-US" dirty="0">
+                <a:ea typeface="ＭＳ Ｐゴシック" charset="0"/>
+              </a:rPr>
+              <a:t>: Finiteness of the domain</a:t>
+            </a:r>
+          </a:p>
+          <a:p>
+            <a:pPr lvl="1">
+              <a:defRPr/>
+            </a:pPr>
+            <a:r>
+              <a:rPr lang="en-US" dirty="0">
+                <a:ea typeface="ＭＳ Ｐゴシック" charset="0"/>
+              </a:rPr>
+              <a:t>In </a:t>
+            </a:r>
+            <a:r>
+              <a:rPr lang="en-US" dirty="0">
+                <a:solidFill>
+                  <a:srgbClr val="008000"/>
+                </a:solidFill>
+                <a:ea typeface="ＭＳ Ｐゴシック" charset="0"/>
+              </a:rPr>
+              <a:t>classical logic</a:t>
+            </a:r>
+            <a:r>
+              <a:rPr lang="en-US" dirty="0">
+                <a:ea typeface="ＭＳ Ｐゴシック" charset="0"/>
+              </a:rPr>
+              <a:t> (and thus in DL ): combination of constructs</a:t>
+            </a:r>
+            <a:endParaRPr lang="en-US" sz="2400" dirty="0">
+              <a:ea typeface="ＭＳ Ｐゴシック" charset="0"/>
+            </a:endParaRPr>
+          </a:p>
+          <a:p>
+            <a:pPr>
+              <a:defRPr/>
+            </a:pPr>
+            <a:r>
+              <a:rPr lang="en-US" dirty="0">
+                <a:solidFill>
+                  <a:srgbClr val="FF0000"/>
+                </a:solidFill>
+                <a:ea typeface="ＭＳ Ｐゴシック" charset="0"/>
+                <a:cs typeface="ＭＳ Ｐゴシック" charset="0"/>
+              </a:rPr>
+              <a:t>Problem:</a:t>
             </a:r>
           </a:p>
           <a:p>
             <a:pPr>
               <a:buFont typeface="Wingdings" charset="0"/>
               <a:buNone/>
-            </a:pPr>
-            <a:r>
-              <a:rPr lang="en-US" altLang="ko-KR" dirty="0">
-                <a:latin typeface="Calibri" charset="0"/>
-                <a:ea typeface="ＭＳ Ｐゴシック" charset="0"/>
-                <a:cs typeface="ＭＳ Ｐゴシック" charset="0"/>
-              </a:rPr>
-              <a:t>• Based on OWL: rules use terms for OWL concepts (classes, properties, individuals, literals…)</a:t>
-            </a:r>
-          </a:p>
-          <a:p>
-            <a:endParaRPr lang="en-US" dirty="0">
-              <a:latin typeface="Calibri" charset="0"/>
+              <a:defRPr/>
+            </a:pPr>
+            <a:r>
+              <a:rPr lang="en-US" sz="2800" dirty="0">
+                <a:ea typeface="ＭＳ Ｐゴシック" charset="0"/>
+                <a:cs typeface="ＭＳ Ｐゴシック" charset="0"/>
+              </a:rPr>
+              <a:t>	Combination of “simple” DLs and Horn Logic are </a:t>
+            </a:r>
+            <a:r>
+              <a:rPr lang="en-US" sz="2800" dirty="0" err="1">
+                <a:ea typeface="ＭＳ Ｐゴシック" charset="0"/>
+                <a:cs typeface="ＭＳ Ｐゴシック" charset="0"/>
+              </a:rPr>
+              <a:t>undecidable</a:t>
+            </a:r>
+            <a:r>
+              <a:rPr lang="en-US" sz="2800" dirty="0">
+                <a:ea typeface="ＭＳ Ｐゴシック" charset="0"/>
+                <a:cs typeface="ＭＳ Ｐゴシック" charset="0"/>
+              </a:rPr>
+              <a:t>. (Levy &amp; </a:t>
+            </a:r>
+            <a:r>
+              <a:rPr lang="en-US" sz="2800" dirty="0" err="1">
+                <a:ea typeface="ＭＳ Ｐゴシック" charset="0"/>
+                <a:cs typeface="ＭＳ Ｐゴシック" charset="0"/>
+              </a:rPr>
+              <a:t>Rousset</a:t>
+            </a:r>
+            <a:r>
+              <a:rPr lang="en-US" sz="2800" dirty="0">
+                <a:ea typeface="ＭＳ Ｐゴシック" charset="0"/>
+                <a:cs typeface="ＭＳ Ｐゴシック" charset="0"/>
+              </a:rPr>
+              <a:t>, 1998)</a:t>
+            </a:r>
+            <a:endParaRPr lang="el-GR" sz="2800" dirty="0">
               <a:ea typeface="ＭＳ Ｐゴシック" charset="0"/>
               <a:cs typeface="ＭＳ Ｐゴシック" charset="0"/>
             </a:endParaRPr>
@@ -5871,6 +5926,7 @@
   <p:clrMapOvr>
     <a:masterClrMapping/>
   </p:clrMapOvr>
+  <p:transition/>
 </p:sld>
 </file>
 
@@ -5893,7 +5949,7 @@
       </p:grpSpPr>
       <p:sp>
         <p:nvSpPr>
-          <p:cNvPr id="28673" name="Title 1"/>
+          <p:cNvPr id="27649" name="Title 1"/>
           <p:cNvSpPr>
             <a:spLocks noGrp="1"/>
           </p:cNvSpPr>
@@ -5907,19 +5963,33 @@
           <a:lstStyle/>
           <a:p>
             <a:r>
-              <a:rPr lang="en-US" sz="4000">
-                <a:latin typeface="Calibri" charset="0"/>
-                <a:ea typeface="ＭＳ Ｐゴシック" charset="0"/>
-                <a:cs typeface="ＭＳ Ｐゴシック" charset="0"/>
-              </a:rPr>
-              <a:t>SWRL</a:t>
-            </a:r>
+              <a:rPr lang="en-US" dirty="0">
+                <a:latin typeface="Calibri" charset="0"/>
+                <a:ea typeface="ＭＳ Ｐゴシック" charset="0"/>
+                <a:cs typeface="ＭＳ Ｐゴシック" charset="0"/>
+              </a:rPr>
+              <a:t>SWRL: </a:t>
+            </a:r>
+            <a:r>
+              <a:rPr lang="en-US" altLang="ko-KR" dirty="0">
+                <a:latin typeface="Calibri" charset="0"/>
+                <a:ea typeface="ＭＳ Ｐゴシック" charset="0"/>
+                <a:cs typeface="ＭＳ Ｐゴシック" charset="0"/>
+                <a:hlinkClick r:id="rId2"/>
+              </a:rPr>
+              <a:t>Semantic Web Rule Language</a:t>
+            </a:r>
+            <a:endParaRPr lang="en-US" dirty="0">
+              <a:latin typeface="Calibri" charset="0"/>
+              <a:ea typeface="ＭＳ Ｐゴシック" charset="0"/>
+              <a:cs typeface="ＭＳ Ｐゴシック" charset="0"/>
+            </a:endParaRPr>
           </a:p>
         </p:txBody>
       </p:sp>
       <p:sp>
         <p:nvSpPr>
-          <p:cNvPr id="3" name="Content Placeholder 2"/>
+          <p:cNvPr id="27650" name="Content Placeholder 2"/>
           <p:cNvSpPr>
             <a:spLocks noGrp="1"/>
           </p:cNvSpPr>
@@ -5929,171 +5999,144 @@
         </p:nvSpPr>
         <p:spPr>
           <a:xfrm>
-            <a:off x="395288" y="1268413"/>
-            <a:ext cx="8497887" cy="4967287"/>
+            <a:off x="395288" y="1196975"/>
+            <a:ext cx="8748712" cy="4967288"/>
           </a:xfrm>
         </p:spPr>
         <p:txBody>
           <a:bodyPr/>
           <a:lstStyle/>
           <a:p>
+            <a:r>
+              <a:rPr lang="en-US" altLang="ko-KR" dirty="0">
+                <a:latin typeface="Calibri" charset="0"/>
+                <a:ea typeface="ＭＳ Ｐゴシック" charset="0"/>
+                <a:cs typeface="ＭＳ Ｐゴシック" charset="0"/>
+              </a:rPr>
+              <a:t>SWRL is the </a:t>
+            </a:r>
+            <a:r>
+              <a:rPr lang="en-US" altLang="ko-KR" b="1" dirty="0">
+                <a:latin typeface="Calibri" charset="0"/>
+                <a:ea typeface="ＭＳ Ｐゴシック" charset="0"/>
+                <a:cs typeface="ＭＳ Ｐゴシック" charset="0"/>
+              </a:rPr>
+              <a:t>union</a:t>
+            </a:r>
+            <a:r>
+              <a:rPr lang="en-US" altLang="ko-KR" dirty="0">
+                <a:latin typeface="Calibri" charset="0"/>
+                <a:ea typeface="ＭＳ Ｐゴシック" charset="0"/>
+                <a:cs typeface="ＭＳ Ｐゴシック" charset="0"/>
+              </a:rPr>
+              <a:t> of DL and horn logic + many built-in functions (e.g., for math) </a:t>
+            </a:r>
+          </a:p>
+          <a:p>
+            <a:r>
+              <a:rPr lang="en-US" altLang="ko-KR" dirty="0">
+                <a:latin typeface="Calibri" charset="0"/>
+                <a:ea typeface="ＭＳ Ｐゴシック" charset="0"/>
+                <a:cs typeface="ＭＳ Ｐゴシック" charset="0"/>
+              </a:rPr>
+              <a:t>Submitted to W3C in 2004, but failed to become a recommendation (led to</a:t>
+            </a:r>
+            <a:r>
+              <a:rPr lang="en-US" altLang="ko-KR" dirty="0">
+                <a:latin typeface="Calibri" charset="0"/>
+                <a:ea typeface="ＭＳ Ｐゴシック" charset="0"/>
+              </a:rPr>
+              <a:t> </a:t>
+            </a:r>
+            <a:r>
+              <a:rPr lang="en-US" altLang="ko-KR" dirty="0">
+                <a:latin typeface="Calibri" charset="0"/>
+                <a:ea typeface="ＭＳ Ｐゴシック" charset="0"/>
+                <a:hlinkClick r:id="rId3"/>
+              </a:rPr>
+              <a:t>RIF</a:t>
+            </a:r>
+            <a:r>
+              <a:rPr lang="en-US" altLang="ko-KR" dirty="0">
+                <a:latin typeface="Calibri" charset="0"/>
+                <a:ea typeface="ＭＳ Ｐゴシック" charset="0"/>
+              </a:rPr>
+              <a:t>)</a:t>
+            </a:r>
+          </a:p>
+          <a:p>
+            <a:r>
+              <a:rPr lang="en-US" altLang="ko-KR" dirty="0">
+                <a:latin typeface="Calibri" charset="0"/>
+                <a:ea typeface="ＭＳ Ｐゴシック" charset="0"/>
+                <a:cs typeface="ＭＳ Ｐゴシック" charset="0"/>
+              </a:rPr>
+              <a:t>Problem: full SWRL specification leads to </a:t>
+            </a:r>
+            <a:r>
+              <a:rPr lang="en-US" altLang="ko-KR" dirty="0">
+                <a:latin typeface="Calibri" charset="0"/>
+                <a:ea typeface="ＭＳ Ｐゴシック" charset="0"/>
+                <a:cs typeface="ＭＳ Ｐゴシック" charset="0"/>
+                <a:hlinkClick r:id="rId4"/>
+              </a:rPr>
+              <a:t>undecidability</a:t>
+            </a:r>
+            <a:r>
+              <a:rPr lang="en-US" altLang="ko-KR" dirty="0">
+                <a:latin typeface="Calibri" charset="0"/>
+                <a:ea typeface="ＭＳ Ｐゴシック" charset="0"/>
+                <a:cs typeface="ＭＳ Ｐゴシック" charset="0"/>
+              </a:rPr>
+              <a:t> in reasoning</a:t>
+            </a:r>
+          </a:p>
+          <a:p>
+            <a:r>
+              <a:rPr lang="en-US" altLang="ko-KR" dirty="0">
+                <a:latin typeface="Calibri" charset="0"/>
+                <a:ea typeface="ＭＳ Ｐゴシック" charset="0"/>
+                <a:cs typeface="ＭＳ Ｐゴシック" charset="0"/>
+              </a:rPr>
+              <a:t> SWRL is well specified and subsets are widely supported (e.g., in Pellet, </a:t>
+            </a:r>
+            <a:r>
+              <a:rPr lang="en-US" altLang="ko-KR" dirty="0" err="1">
+                <a:latin typeface="Calibri" charset="0"/>
+                <a:ea typeface="ＭＳ Ｐゴシック" charset="0"/>
+                <a:cs typeface="ＭＳ Ｐゴシック" charset="0"/>
+              </a:rPr>
+              <a:t>HermiT</a:t>
+            </a:r>
+            <a:r>
+              <a:rPr lang="en-US" altLang="ko-KR" dirty="0">
+                <a:latin typeface="Calibri" charset="0"/>
+                <a:ea typeface="ＭＳ Ｐゴシック" charset="0"/>
+                <a:cs typeface="ＭＳ Ｐゴシック" charset="0"/>
+              </a:rPr>
+              <a:t>)</a:t>
+            </a:r>
+          </a:p>
+          <a:p>
             <a:pPr>
-              <a:defRPr/>
-            </a:pPr>
-            <a:r>
-              <a:rPr lang="en-US" altLang="ko-KR" dirty="0"/>
-              <a:t>OWL classes are unary predicates, properties are binary ones</a:t>
-            </a:r>
-          </a:p>
-          <a:p>
-            <a:pPr marL="401637" lvl="1" indent="0">
-              <a:buFontTx/>
-              <a:buNone/>
-              <a:defRPr/>
-            </a:pPr>
-            <a:r>
-              <a:rPr lang="en-US" altLang="ko-KR" sz="2400" dirty="0"/>
-              <a:t>Person(?p) ^ sibling(?</a:t>
-            </a:r>
-            <a:r>
-              <a:rPr lang="en-US" altLang="ko-KR" sz="2400" dirty="0" err="1"/>
-              <a:t>p,?s</a:t>
-            </a:r>
-            <a:r>
-              <a:rPr lang="en-US" altLang="ko-KR" sz="2400" dirty="0"/>
-              <a:t>) ^ Man(?s)  </a:t>
-            </a:r>
-            <a:r>
-              <a:rPr lang="en-US" altLang="ko-KR" sz="2400" dirty="0">
-                <a:sym typeface="Wingdings" pitchFamily="2" charset="2"/>
-              </a:rPr>
-              <a:t></a:t>
-            </a:r>
-            <a:r>
-              <a:rPr lang="en-US" altLang="ko-KR" sz="2400" dirty="0"/>
-              <a:t>  brother(?</a:t>
-            </a:r>
-            <a:r>
-              <a:rPr lang="en-US" altLang="ko-KR" sz="2400" dirty="0" err="1"/>
-              <a:t>p,?s</a:t>
-            </a:r>
-            <a:r>
-              <a:rPr lang="en-US" altLang="ko-KR" sz="2400" dirty="0"/>
-              <a:t>)</a:t>
-            </a:r>
-          </a:p>
-          <a:p>
-            <a:pPr marL="342900" indent="-342900">
-              <a:defRPr/>
-            </a:pPr>
-            <a:r>
-              <a:rPr lang="en-US" altLang="ko-KR" dirty="0"/>
-              <a:t>As in Prolog, </a:t>
-            </a:r>
-            <a:r>
-              <a:rPr lang="en-US" altLang="ko-KR" dirty="0" err="1"/>
-              <a:t>bulitins</a:t>
-            </a:r>
-            <a:r>
-              <a:rPr lang="en-US" altLang="ko-KR" dirty="0"/>
-              <a:t> can be </a:t>
-            </a:r>
-            <a:r>
-              <a:rPr lang="en-US" altLang="ko-KR" dirty="0" err="1"/>
-              <a:t>booleans</a:t>
-            </a:r>
-            <a:r>
-              <a:rPr lang="en-US" altLang="ko-KR" dirty="0"/>
-              <a:t> or do a computation and unify the result to a variable</a:t>
-            </a:r>
-          </a:p>
-          <a:p>
-            <a:pPr marL="744537" lvl="1" indent="-342900">
-              <a:defRPr/>
-            </a:pPr>
-            <a:r>
-              <a:rPr lang="en-US" altLang="ko-KR" dirty="0" err="1"/>
-              <a:t>swrlb:greaterThan</a:t>
-            </a:r>
-            <a:r>
-              <a:rPr lang="en-US" altLang="ko-KR" dirty="0"/>
-              <a:t>(?age2, ?age1)   # age2&gt;age1</a:t>
-            </a:r>
-          </a:p>
-          <a:p>
-            <a:pPr marL="744537" lvl="1" indent="-342900">
-              <a:defRPr/>
-            </a:pPr>
-            <a:r>
-              <a:rPr lang="en-US" altLang="ko-KR" dirty="0" err="1"/>
-              <a:t>swrlb:subtract</a:t>
-            </a:r>
-            <a:r>
-              <a:rPr lang="en-US" altLang="ko-KR" dirty="0"/>
-              <a:t>(?n1,?n2,?diff)          # diff=n1-n2</a:t>
-            </a:r>
-          </a:p>
-          <a:p>
-            <a:pPr>
-              <a:defRPr/>
-            </a:pPr>
-            <a:r>
-              <a:rPr lang="en-US" altLang="ko-KR" dirty="0"/>
-              <a:t>SWRL predicates for OWL axioms and data tests</a:t>
-            </a:r>
-          </a:p>
-          <a:p>
-            <a:pPr lvl="1">
-              <a:defRPr/>
-            </a:pPr>
-            <a:r>
-              <a:rPr lang="en-US" altLang="ko-KR" dirty="0" err="1"/>
-              <a:t>differentFrom</a:t>
-            </a:r>
-            <a:r>
-              <a:rPr lang="en-US" altLang="ko-KR" dirty="0"/>
-              <a:t>(?x, ?y),  sameAs(?x, ?y), </a:t>
-            </a:r>
-            <a:r>
-              <a:rPr lang="en-US" altLang="ko-KR" dirty="0" err="1"/>
-              <a:t>xsd:int</a:t>
-            </a:r>
-            <a:r>
-              <a:rPr lang="en-US" altLang="ko-KR" dirty="0"/>
-              <a:t>(?x), [3, 4, 5](?x), …</a:t>
-            </a:r>
-          </a:p>
-          <a:p>
-            <a:pPr lvl="1">
-              <a:defRPr/>
-            </a:pPr>
-            <a:endParaRPr lang="en-US" altLang="ko-KR" dirty="0"/>
-          </a:p>
-          <a:p>
-            <a:pPr marL="744537" lvl="1" indent="-342900">
-              <a:defRPr/>
-            </a:pPr>
-            <a:endParaRPr lang="en-US" altLang="ko-KR" dirty="0"/>
-          </a:p>
-          <a:p>
-            <a:pPr marL="744537" lvl="1" indent="-342900">
-              <a:defRPr/>
-            </a:pPr>
-            <a:endParaRPr lang="ko-KR" altLang="en-US" dirty="0"/>
-          </a:p>
-          <a:p>
-            <a:pPr>
-              <a:defRPr/>
-            </a:pPr>
-            <a:endParaRPr lang="en-US" dirty="0"/>
-          </a:p>
-          <a:p>
-            <a:pPr marL="0" indent="0">
               <a:buFont typeface="Wingdings" charset="0"/>
               <a:buNone/>
-              <a:defRPr/>
-            </a:pPr>
-            <a:endParaRPr lang="en-US" dirty="0"/>
+            </a:pPr>
+            <a:r>
+              <a:rPr lang="en-US" altLang="ko-KR" dirty="0">
+                <a:latin typeface="Calibri" charset="0"/>
+                <a:ea typeface="ＭＳ Ｐゴシック" charset="0"/>
+                <a:cs typeface="ＭＳ Ｐゴシック" charset="0"/>
+              </a:rPr>
+              <a:t>• Based on OWL: rules use terms for OWL concepts (classes, properties, individuals, literals…)</a:t>
+            </a:r>
+          </a:p>
+          <a:p>
+            <a:endParaRPr lang="en-US" dirty="0">
+              <a:latin typeface="Calibri" charset="0"/>
+              <a:ea typeface="ＭＳ Ｐゴシック" charset="0"/>
+              <a:cs typeface="ＭＳ Ｐゴシック" charset="0"/>
+            </a:endParaRPr>
           </a:p>
         </p:txBody>
       </p:sp>
@@ -6124,7 +6167,7 @@
       </p:grpSpPr>
       <p:sp>
         <p:nvSpPr>
-          <p:cNvPr id="2" name="Title 1"/>
+          <p:cNvPr id="28673" name="Title 1"/>
           <p:cNvSpPr>
             <a:spLocks noGrp="1"/>
           </p:cNvSpPr>
@@ -6138,8 +6181,12 @@
           <a:lstStyle/>
           <a:p>
             <a:r>
-              <a:rPr lang="en-US" dirty="0"/>
-              <a:t>SWRL Built-Ins</a:t>
+              <a:rPr lang="en-US" sz="4000">
+                <a:latin typeface="Calibri" charset="0"/>
+                <a:ea typeface="ＭＳ Ｐゴシック" charset="0"/>
+                <a:cs typeface="ＭＳ Ｐゴシック" charset="0"/>
+              </a:rPr>
+              <a:t>SWRL</a:t>
             </a:r>
           </a:p>
         </p:txBody>
@@ -6154,122 +6201,177 @@
             <p:ph idx="1"/>
           </p:nvPr>
         </p:nvSpPr>
-        <p:spPr/>
+        <p:spPr>
+          <a:xfrm>
+            <a:off x="395288" y="1268413"/>
+            <a:ext cx="8497887" cy="4967287"/>
+          </a:xfrm>
+        </p:spPr>
         <p:txBody>
           <a:bodyPr/>
           <a:lstStyle/>
           <a:p>
-            <a:r>
-              <a:rPr lang="en-US" dirty="0"/>
-              <a:t>SWRL defines a set of built-in predicate that allow for comparisons, math evaluation, string operations and more</a:t>
-            </a:r>
-          </a:p>
-          <a:p>
-            <a:r>
-              <a:rPr lang="en-US" dirty="0"/>
-              <a:t>See </a:t>
-            </a:r>
-            <a:r>
-              <a:rPr lang="en-US" dirty="0">
-                <a:hlinkClick r:id="rId2"/>
-              </a:rPr>
-              <a:t>here</a:t>
-            </a:r>
-            <a:r>
-              <a:rPr lang="en-US" dirty="0"/>
-              <a:t> for the complete list</a:t>
-            </a:r>
-          </a:p>
-          <a:p>
-            <a:r>
-              <a:rPr lang="en-US" dirty="0"/>
-              <a:t>Examples </a:t>
-            </a:r>
-          </a:p>
-          <a:p>
-            <a:pPr marL="354013" lvl="1" indent="-171450"/>
-            <a:r>
-              <a:rPr lang="en-US" sz="2000" dirty="0"/>
-              <a:t>Person(?p), </a:t>
-            </a:r>
-            <a:r>
-              <a:rPr lang="en-US" sz="2000" dirty="0" err="1"/>
-              <a:t>hasAge</a:t>
-            </a:r>
-            <a:r>
-              <a:rPr lang="en-US" sz="2000" dirty="0"/>
-              <a:t>(?p, ?age), </a:t>
-            </a:r>
-            <a:r>
-              <a:rPr lang="en-US" sz="2000" b="1" dirty="0" err="1"/>
+            <a:pPr>
+              <a:defRPr/>
+            </a:pPr>
+            <a:r>
+              <a:rPr lang="en-US" altLang="ko-KR" dirty="0"/>
+              <a:t>OWL classes are unary predicates, properties are binary ones</a:t>
+            </a:r>
+          </a:p>
+          <a:p>
+            <a:pPr marL="401637" lvl="1" indent="0">
+              <a:buFontTx/>
+              <a:buNone/>
+              <a:defRPr/>
+            </a:pPr>
+            <a:r>
+              <a:rPr lang="en-US" altLang="ko-KR" sz="2400" dirty="0"/>
+              <a:t>sibling(?</a:t>
+            </a:r>
+            <a:r>
+              <a:rPr lang="en-US" altLang="ko-KR" sz="2400" dirty="0" err="1"/>
+              <a:t>p,?s</a:t>
+            </a:r>
+            <a:r>
+              <a:rPr lang="en-US" altLang="ko-KR" sz="2400" dirty="0"/>
+              <a:t>) ^ Man(?s)  </a:t>
+            </a:r>
+            <a:r>
+              <a:rPr lang="en-US" altLang="ko-KR" sz="2400" dirty="0">
+                <a:sym typeface="Wingdings" pitchFamily="2" charset="2"/>
+              </a:rPr>
+              <a:t></a:t>
+            </a:r>
+            <a:r>
+              <a:rPr lang="en-US" altLang="ko-KR" sz="2400" dirty="0"/>
+              <a:t>  brother(?</a:t>
+            </a:r>
+            <a:r>
+              <a:rPr lang="en-US" altLang="ko-KR" sz="2400" dirty="0" err="1"/>
+              <a:t>p,?s</a:t>
+            </a:r>
+            <a:r>
+              <a:rPr lang="en-US" altLang="ko-KR" sz="2400" dirty="0"/>
+              <a:t>)</a:t>
+            </a:r>
+          </a:p>
+          <a:p>
+            <a:pPr marL="342900" indent="-342900">
+              <a:defRPr/>
+            </a:pPr>
+            <a:r>
+              <a:rPr lang="en-US" altLang="ko-KR" dirty="0"/>
+              <a:t>As in Prolog, </a:t>
+            </a:r>
+            <a:r>
+              <a:rPr lang="en-US" altLang="ko-KR" dirty="0" err="1"/>
+              <a:t>bulitins</a:t>
+            </a:r>
+            <a:r>
+              <a:rPr lang="en-US" altLang="ko-KR" dirty="0"/>
+              <a:t> can be </a:t>
+            </a:r>
+            <a:r>
+              <a:rPr lang="en-US" altLang="ko-KR" dirty="0" err="1"/>
+              <a:t>booleans</a:t>
+            </a:r>
+            <a:r>
+              <a:rPr lang="en-US" altLang="ko-KR" dirty="0"/>
+              <a:t> or do a computation and unify the result to a variable</a:t>
+            </a:r>
+          </a:p>
+          <a:p>
+            <a:pPr marL="744537" lvl="1" indent="-342900">
+              <a:defRPr/>
+            </a:pPr>
+            <a:r>
+              <a:rPr lang="en-US" altLang="ko-KR" dirty="0" err="1"/>
               <a:t>swrlb:greaterThan</a:t>
             </a:r>
             <a:r>
-              <a:rPr lang="en-US" sz="2000" dirty="0"/>
-              <a:t>(?age, 18) -&gt; Adult(?p)</a:t>
-            </a:r>
-          </a:p>
-          <a:p>
-            <a:pPr marL="354013" lvl="1" indent="-171450"/>
-            <a:r>
-              <a:rPr lang="en-US" sz="2000" dirty="0"/>
-              <a:t> Person(?p), </a:t>
-            </a:r>
-            <a:r>
-              <a:rPr lang="en-US" sz="2000" dirty="0" err="1"/>
-              <a:t>bornOnDate</a:t>
-            </a:r>
-            <a:r>
-              <a:rPr lang="en-US" sz="2000" dirty="0"/>
-              <a:t>(?p, ?date), </a:t>
-            </a:r>
-            <a:r>
-              <a:rPr lang="en-US" sz="2000" b="1" dirty="0" err="1"/>
-              <a:t>xsd:date</a:t>
-            </a:r>
-            <a:r>
-              <a:rPr lang="en-US" sz="2000" dirty="0"/>
-              <a:t>(?date), </a:t>
-            </a:r>
-            <a:r>
-              <a:rPr lang="en-US" sz="2000" b="1" dirty="0" err="1"/>
-              <a:t>swrlb:date</a:t>
-            </a:r>
-            <a:r>
-              <a:rPr lang="en-US" sz="2000" dirty="0"/>
-              <a:t>(?date, ?year, ?month, ?day, ?</a:t>
-            </a:r>
-            <a:r>
-              <a:rPr lang="en-US" sz="2000" dirty="0" err="1"/>
-              <a:t>timezone</a:t>
-            </a:r>
-            <a:r>
-              <a:rPr lang="en-US" sz="2000" dirty="0"/>
-              <a:t>) -&gt; </a:t>
-            </a:r>
-            <a:r>
-              <a:rPr lang="en-US" sz="2000" dirty="0" err="1"/>
-              <a:t>bornInYear</a:t>
-            </a:r>
-            <a:r>
-              <a:rPr lang="en-US" sz="2000" dirty="0"/>
-              <a:t>(?p, ?year)</a:t>
-            </a:r>
-          </a:p>
-          <a:p>
-            <a:r>
-              <a:rPr lang="en-US" dirty="0"/>
-              <a:t>Some reasoners (e.g., Pellet) allow you to define new built-ins in Java</a:t>
-            </a:r>
+              <a:rPr lang="en-US" altLang="ko-KR" dirty="0"/>
+              <a:t>(?age2, ?age1)   # age2&gt;age1</a:t>
+            </a:r>
+          </a:p>
+          <a:p>
+            <a:pPr marL="744537" lvl="1" indent="-342900">
+              <a:defRPr/>
+            </a:pPr>
+            <a:r>
+              <a:rPr lang="en-US" altLang="ko-KR" dirty="0" err="1"/>
+              <a:t>swrlb:subtract</a:t>
+            </a:r>
+            <a:r>
+              <a:rPr lang="en-US" altLang="ko-KR" dirty="0"/>
+              <a:t>(?n1,?n2,?diff)          # diff=n1-n2</a:t>
+            </a:r>
+          </a:p>
+          <a:p>
+            <a:pPr>
+              <a:defRPr/>
+            </a:pPr>
+            <a:r>
+              <a:rPr lang="en-US" altLang="ko-KR" dirty="0"/>
+              <a:t>SWRL predicates for OWL axioms and data tests</a:t>
+            </a:r>
+          </a:p>
+          <a:p>
+            <a:pPr lvl="1">
+              <a:defRPr/>
+            </a:pPr>
+            <a:r>
+              <a:rPr lang="en-US" altLang="ko-KR" dirty="0" err="1"/>
+              <a:t>differentFrom</a:t>
+            </a:r>
+            <a:r>
+              <a:rPr lang="en-US" altLang="ko-KR" dirty="0"/>
+              <a:t>(?x, ?y),  sameAs(?x, ?y), </a:t>
+            </a:r>
+            <a:r>
+              <a:rPr lang="en-US" altLang="ko-KR" dirty="0" err="1"/>
+              <a:t>xsd:int</a:t>
+            </a:r>
+            <a:r>
+              <a:rPr lang="en-US" altLang="ko-KR" dirty="0"/>
+              <a:t>(?x), [3, 4, 5](?x), …</a:t>
+            </a:r>
+          </a:p>
+          <a:p>
+            <a:pPr lvl="1">
+              <a:defRPr/>
+            </a:pPr>
+            <a:endParaRPr lang="en-US" altLang="ko-KR" dirty="0"/>
+          </a:p>
+          <a:p>
+            <a:pPr marL="744537" lvl="1" indent="-342900">
+              <a:defRPr/>
+            </a:pPr>
+            <a:endParaRPr lang="en-US" altLang="ko-KR" dirty="0"/>
+          </a:p>
+          <a:p>
+            <a:pPr marL="744537" lvl="1" indent="-342900">
+              <a:defRPr/>
+            </a:pPr>
+            <a:endParaRPr lang="ko-KR" altLang="en-US" dirty="0"/>
+          </a:p>
+          <a:p>
+            <a:pPr>
+              <a:defRPr/>
+            </a:pPr>
+            <a:endParaRPr lang="en-US" dirty="0"/>
+          </a:p>
+          <a:p>
+            <a:pPr marL="0" indent="0">
+              <a:buFont typeface="Wingdings" charset="0"/>
+              <a:buNone/>
+              <a:defRPr/>
+            </a:pPr>
+            <a:endParaRPr lang="en-US" dirty="0"/>
           </a:p>
         </p:txBody>
       </p:sp>
     </p:spTree>
-    <p:extLst>
-      <p:ext uri="{BB962C8B-B14F-4D97-AF65-F5344CB8AC3E}">
-        <p14:creationId xmlns:p14="http://schemas.microsoft.com/office/powerpoint/2010/main" val="1240487386"/>
-      </p:ext>
-    </p:extLst>
   </p:cSld>
   <p:clrMapOvr>
     <a:masterClrMapping/>
@@ -6296,9 +6398,9 @@
       </p:grpSpPr>
       <p:sp>
         <p:nvSpPr>
-          <p:cNvPr id="32769" name="AutoShape 2"/>
+          <p:cNvPr id="2" name="Title 1"/>
           <p:cNvSpPr>
-            <a:spLocks noGrp="1" noChangeArrowheads="1"/>
+            <a:spLocks noGrp="1"/>
           </p:cNvSpPr>
           <p:nvPr>
             <p:ph type="title"/>
@@ -6309,31 +6411,21 @@
           <a:bodyPr/>
           <a:lstStyle/>
           <a:p>
-            <a:pPr eaLnBrk="1" hangingPunct="1"/>
-            <a:r>
-              <a:rPr lang="en-US" sz="4400" dirty="0">
-                <a:latin typeface="Calibri" charset="0"/>
-                <a:ea typeface="ＭＳ Ｐゴシック" charset="0"/>
-                <a:cs typeface="ＭＳ Ｐゴシック" charset="0"/>
-              </a:rPr>
-              <a:t>Drawbacks of full SWRL</a:t>
-            </a:r>
-            <a:endParaRPr lang="el-GR" sz="4400" dirty="0">
-              <a:latin typeface="Calibri" charset="0"/>
-              <a:ea typeface="ＭＳ Ｐゴシック" charset="0"/>
-              <a:cs typeface="ＭＳ Ｐゴシック" charset="0"/>
-            </a:endParaRPr>
+            <a:r>
+              <a:rPr lang="en-US" dirty="0"/>
+              <a:t>SWRL Built-Ins</a:t>
+            </a:r>
           </a:p>
         </p:txBody>
       </p:sp>
       <p:sp>
         <p:nvSpPr>
-          <p:cNvPr id="32770" name="Rectangle 3"/>
+          <p:cNvPr id="3" name="Content Placeholder 2"/>
           <p:cNvSpPr>
-            <a:spLocks noGrp="1" noChangeArrowheads="1"/>
+            <a:spLocks noGrp="1"/>
           </p:cNvSpPr>
           <p:nvPr>
-            <p:ph type="body" idx="1"/>
+            <p:ph idx="1"/>
           </p:nvPr>
         </p:nvSpPr>
         <p:spPr/>
@@ -6341,92 +6433,117 @@
           <a:bodyPr/>
           <a:lstStyle/>
           <a:p>
-            <a:pPr eaLnBrk="1" hangingPunct="1"/>
-            <a:r>
-              <a:rPr lang="en-US" dirty="0">
-                <a:latin typeface="Calibri" charset="0"/>
-                <a:ea typeface="ＭＳ Ｐゴシック" charset="0"/>
-                <a:cs typeface="ＭＳ Ｐゴシック" charset="0"/>
-              </a:rPr>
-              <a:t>Main </a:t>
-            </a:r>
-            <a:r>
-              <a:rPr lang="en-US" i="1" dirty="0">
-                <a:latin typeface="Calibri" charset="0"/>
-                <a:ea typeface="ＭＳ Ｐゴシック" charset="0"/>
-                <a:cs typeface="ＭＳ Ｐゴシック" charset="0"/>
-              </a:rPr>
-              <a:t>source of complexity</a:t>
-            </a:r>
-            <a:r>
-              <a:rPr lang="en-US" dirty="0">
-                <a:latin typeface="Calibri" charset="0"/>
-                <a:ea typeface="ＭＳ Ｐゴシック" charset="0"/>
-                <a:cs typeface="ＭＳ Ｐゴシック" charset="0"/>
-              </a:rPr>
-              <a:t>:</a:t>
-            </a:r>
-          </a:p>
-          <a:p>
-            <a:pPr marL="393700" lvl="1" indent="0" eaLnBrk="1" hangingPunct="1">
-              <a:buFontTx/>
-              <a:buNone/>
-            </a:pPr>
-            <a:r>
-              <a:rPr lang="en-US" sz="3200" dirty="0">
-                <a:latin typeface="Calibri" charset="0"/>
-                <a:ea typeface="ＭＳ Ｐゴシック" charset="0"/>
-              </a:rPr>
-              <a:t>arbitrary OWL expressions (e.g. restrictions) can appear in the head or body of a rule</a:t>
-            </a:r>
-          </a:p>
-          <a:p>
-            <a:pPr eaLnBrk="1" hangingPunct="1"/>
-            <a:r>
-              <a:rPr lang="en-US" dirty="0">
-                <a:latin typeface="Calibri" charset="0"/>
-                <a:ea typeface="ＭＳ Ｐゴシック" charset="0"/>
-                <a:cs typeface="ＭＳ Ｐゴシック" charset="0"/>
-              </a:rPr>
-              <a:t>Adds significant expressive power to OWL, but causes </a:t>
-            </a:r>
-            <a:r>
-              <a:rPr lang="en-US" i="1" dirty="0">
-                <a:latin typeface="Calibri" charset="0"/>
-                <a:ea typeface="ＭＳ Ｐゴシック" charset="0"/>
-                <a:cs typeface="ＭＳ Ｐゴシック" charset="0"/>
-              </a:rPr>
-              <a:t>undecidability</a:t>
-            </a:r>
-            <a:r>
-              <a:rPr lang="en-US" dirty="0">
-                <a:latin typeface="Calibri" charset="0"/>
-                <a:ea typeface="ＭＳ Ｐゴシック" charset="0"/>
-                <a:cs typeface="ＭＳ Ｐゴシック" charset="0"/>
-              </a:rPr>
-              <a:t> </a:t>
-            </a:r>
-          </a:p>
-          <a:p>
-            <a:pPr marL="393700" lvl="1" indent="0" eaLnBrk="1" hangingPunct="1">
-              <a:buFontTx/>
-              <a:buNone/>
-            </a:pPr>
-            <a:r>
-              <a:rPr lang="en-US" sz="3200" dirty="0">
-                <a:latin typeface="Calibri" charset="0"/>
-                <a:ea typeface="ＭＳ Ｐゴシック" charset="0"/>
-              </a:rPr>
-              <a:t>there is no inference engine that draws exactly the same conclusions as the SWRL semantics</a:t>
-            </a:r>
-            <a:endParaRPr lang="el-GR" sz="3200" dirty="0">
-              <a:latin typeface="Calibri" charset="0"/>
-              <a:ea typeface="ＭＳ Ｐゴシック" charset="0"/>
-            </a:endParaRPr>
+            <a:r>
+              <a:rPr lang="en-US" dirty="0"/>
+              <a:t>SWRL defines a set of built-in predicate that allow for comparisons, math evaluation, string operations and more</a:t>
+            </a:r>
+          </a:p>
+          <a:p>
+            <a:r>
+              <a:rPr lang="en-US" dirty="0"/>
+              <a:t>See </a:t>
+            </a:r>
+            <a:r>
+              <a:rPr lang="en-US" dirty="0">
+                <a:hlinkClick r:id="rId2"/>
+              </a:rPr>
+              <a:t>here</a:t>
+            </a:r>
+            <a:r>
+              <a:rPr lang="en-US" dirty="0"/>
+              <a:t> for the complete list</a:t>
+            </a:r>
+          </a:p>
+          <a:p>
+            <a:r>
+              <a:rPr lang="en-US" dirty="0"/>
+              <a:t>Examples </a:t>
+            </a:r>
+          </a:p>
+          <a:p>
+            <a:pPr marL="354013" lvl="1" indent="-171450"/>
+            <a:r>
+              <a:rPr lang="en-US" sz="2000" dirty="0"/>
+              <a:t>Person(?p), </a:t>
+            </a:r>
+            <a:r>
+              <a:rPr lang="en-US" sz="2000" dirty="0" err="1"/>
+              <a:t>hasAge</a:t>
+            </a:r>
+            <a:r>
+              <a:rPr lang="en-US" sz="2000" dirty="0"/>
+              <a:t>(?p, ?age), </a:t>
+            </a:r>
+            <a:r>
+              <a:rPr lang="en-US" sz="2000" b="1" dirty="0" err="1"/>
+              <a:t>swrlb:greaterThan</a:t>
+            </a:r>
+            <a:r>
+              <a:rPr lang="en-US" sz="2000" dirty="0"/>
+              <a:t>(?age, 18) -&gt; Adult(?p)</a:t>
+            </a:r>
+          </a:p>
+          <a:p>
+            <a:pPr marL="354013" lvl="1" indent="-171450"/>
+            <a:r>
+              <a:rPr lang="en-US" sz="2000" dirty="0"/>
+              <a:t> Person(?p), </a:t>
+            </a:r>
+            <a:r>
+              <a:rPr lang="en-US" sz="2000" dirty="0" err="1"/>
+              <a:t>bornOnDate</a:t>
+            </a:r>
+            <a:r>
+              <a:rPr lang="en-US" sz="2000" dirty="0"/>
+              <a:t>(?p, ?date), </a:t>
+            </a:r>
+            <a:r>
+              <a:rPr lang="en-US" sz="2000" b="1" dirty="0" err="1"/>
+              <a:t>xsd:date</a:t>
+            </a:r>
+            <a:r>
+              <a:rPr lang="en-US" sz="2000" dirty="0"/>
+              <a:t>(?date), </a:t>
+            </a:r>
+            <a:r>
+              <a:rPr lang="en-US" sz="2000" b="1" dirty="0" err="1"/>
+              <a:t>swrlb:date</a:t>
+            </a:r>
+            <a:r>
+              <a:rPr lang="en-US" sz="2000" dirty="0"/>
+              <a:t>(?date, ?year, ?month, ?day, ?</a:t>
+            </a:r>
+            <a:r>
+              <a:rPr lang="en-US" sz="2000" dirty="0" err="1"/>
+              <a:t>timezone</a:t>
+            </a:r>
+            <a:r>
+              <a:rPr lang="en-US" sz="2000" dirty="0"/>
+              <a:t>) -&gt; </a:t>
+            </a:r>
+            <a:r>
+              <a:rPr lang="en-US" sz="2000" dirty="0" err="1"/>
+              <a:t>bornInYear</a:t>
+            </a:r>
+            <a:r>
+              <a:rPr lang="en-US" sz="2000" dirty="0"/>
+              <a:t>(?p, ?year)</a:t>
+            </a:r>
+          </a:p>
+          <a:p>
+            <a:r>
+              <a:rPr lang="en-US" dirty="0"/>
+              <a:t>Some reasoners (e.g., Pellet) allow you to define new built-ins in Java</a:t>
+            </a:r>
           </a:p>
         </p:txBody>
       </p:sp>
     </p:spTree>
+    <p:extLst>
+      <p:ext uri="{BB962C8B-B14F-4D97-AF65-F5344CB8AC3E}">
+        <p14:creationId xmlns:p14="http://schemas.microsoft.com/office/powerpoint/2010/main" val="1240487386"/>
+      </p:ext>
+    </p:extLst>
   </p:cSld>
   <p:clrMapOvr>
     <a:masterClrMapping/>
@@ -6584,7 +6701,7 @@
       </p:grpSpPr>
       <p:sp>
         <p:nvSpPr>
-          <p:cNvPr id="33793" name="AutoShape 2"/>
+          <p:cNvPr id="32769" name="AutoShape 2"/>
           <p:cNvSpPr>
             <a:spLocks noGrp="1" noChangeArrowheads="1"/>
           </p:cNvSpPr>
@@ -6599,14 +6716,14 @@
           <a:p>
             <a:pPr eaLnBrk="1" hangingPunct="1"/>
             <a:r>
-              <a:rPr lang="en-US" sz="4400">
-                <a:latin typeface="Calibri" charset="0"/>
-                <a:ea typeface="ＭＳ Ｐゴシック" charset="0"/>
-                <a:cs typeface="ＭＳ Ｐゴシック" charset="0"/>
-              </a:rPr>
-              <a:t>SWRL Sublanguages</a:t>
-            </a:r>
-            <a:endParaRPr lang="el-GR" sz="4400">
+              <a:rPr lang="en-US" sz="4400" dirty="0">
+                <a:latin typeface="Calibri" charset="0"/>
+                <a:ea typeface="ＭＳ Ｐゴシック" charset="0"/>
+                <a:cs typeface="ＭＳ Ｐゴシック" charset="0"/>
+              </a:rPr>
+              <a:t>Drawbacks of full SWRL</a:t>
+            </a:r>
+            <a:endParaRPr lang="el-GR" sz="4400" dirty="0">
               <a:latin typeface="Calibri" charset="0"/>
               <a:ea typeface="ＭＳ Ｐゴシック" charset="0"/>
               <a:cs typeface="ＭＳ Ｐゴシック" charset="0"/>
@@ -6616,7 +6733,7 @@
       </p:sp>
       <p:sp>
         <p:nvSpPr>
-          <p:cNvPr id="33794" name="Rectangle 3"/>
+          <p:cNvPr id="32770" name="Rectangle 3"/>
           <p:cNvSpPr>
             <a:spLocks noGrp="1" noChangeArrowheads="1"/>
           </p:cNvSpPr>
@@ -6631,41 +6748,81 @@
           <a:p>
             <a:pPr eaLnBrk="1" hangingPunct="1"/>
             <a:r>
-              <a:rPr lang="en-US" sz="3600" dirty="0">
-                <a:latin typeface="Calibri" charset="0"/>
-                <a:ea typeface="ＭＳ Ｐゴシック" charset="0"/>
-                <a:cs typeface="ＭＳ Ｐゴシック" charset="0"/>
-              </a:rPr>
-              <a:t>Challenge: identify sublanguages of SWRL with right balance between expressivity and computational viability </a:t>
+              <a:rPr lang="en-US" dirty="0">
+                <a:latin typeface="Calibri" charset="0"/>
+                <a:ea typeface="ＭＳ Ｐゴシック" charset="0"/>
+                <a:cs typeface="ＭＳ Ｐゴシック" charset="0"/>
+              </a:rPr>
+              <a:t>Main </a:t>
+            </a:r>
+            <a:r>
+              <a:rPr lang="en-US" i="1" dirty="0">
+                <a:latin typeface="Calibri" charset="0"/>
+                <a:ea typeface="ＭＳ Ｐゴシック" charset="0"/>
+                <a:cs typeface="ＭＳ Ｐゴシック" charset="0"/>
+              </a:rPr>
+              <a:t>source of complexity</a:t>
+            </a:r>
+            <a:r>
+              <a:rPr lang="en-US" dirty="0">
+                <a:latin typeface="Calibri" charset="0"/>
+                <a:ea typeface="ＭＳ Ｐゴシック" charset="0"/>
+                <a:cs typeface="ＭＳ Ｐゴシック" charset="0"/>
+              </a:rPr>
+              <a:t>:</a:t>
+            </a:r>
+          </a:p>
+          <a:p>
+            <a:pPr marL="393700" lvl="1" indent="0" eaLnBrk="1" hangingPunct="1">
+              <a:buFontTx/>
+              <a:buNone/>
+            </a:pPr>
+            <a:r>
+              <a:rPr lang="en-US" sz="3200" dirty="0">
+                <a:latin typeface="Calibri" charset="0"/>
+                <a:ea typeface="ＭＳ Ｐゴシック" charset="0"/>
+              </a:rPr>
+              <a:t>arbitrary OWL expressions (e.g. restrictions) can appear in the head or body of a rule</a:t>
             </a:r>
           </a:p>
           <a:p>
             <a:pPr eaLnBrk="1" hangingPunct="1"/>
             <a:r>
-              <a:rPr lang="en-US" sz="3600" dirty="0">
-                <a:latin typeface="Calibri" charset="0"/>
-                <a:ea typeface="ＭＳ Ｐゴシック" charset="0"/>
-                <a:cs typeface="ＭＳ Ｐゴシック" charset="0"/>
-              </a:rPr>
-              <a:t>A candidate OWL DL + </a:t>
-            </a:r>
-            <a:r>
-              <a:rPr lang="en-US" sz="3600" i="1" dirty="0">
-                <a:latin typeface="Calibri" charset="0"/>
-                <a:ea typeface="ＭＳ Ｐゴシック" charset="0"/>
-                <a:cs typeface="ＭＳ Ｐゴシック" charset="0"/>
-              </a:rPr>
-              <a:t>DL-safe rules </a:t>
-            </a:r>
-          </a:p>
-          <a:p>
-            <a:pPr lvl="1" eaLnBrk="1" hangingPunct="1"/>
+              <a:rPr lang="en-US" dirty="0">
+                <a:latin typeface="Calibri" charset="0"/>
+                <a:ea typeface="ＭＳ Ｐゴシック" charset="0"/>
+                <a:cs typeface="ＭＳ Ｐゴシック" charset="0"/>
+              </a:rPr>
+              <a:t>Adds significant expressive power to OWL, but causes </a:t>
+            </a:r>
+            <a:r>
+              <a:rPr lang="en-US" i="1" dirty="0">
+                <a:latin typeface="Calibri" charset="0"/>
+                <a:ea typeface="ＭＳ Ｐゴシック" charset="0"/>
+                <a:cs typeface="ＭＳ Ｐゴシック" charset="0"/>
+              </a:rPr>
+              <a:t>undecidability</a:t>
+            </a:r>
+            <a:r>
+              <a:rPr lang="en-US" dirty="0">
+                <a:latin typeface="Calibri" charset="0"/>
+                <a:ea typeface="ＭＳ Ｐゴシック" charset="0"/>
+                <a:cs typeface="ＭＳ Ｐゴシック" charset="0"/>
+              </a:rPr>
+              <a:t> </a:t>
+            </a:r>
+          </a:p>
+          <a:p>
+            <a:pPr marL="393700" lvl="1" indent="0" eaLnBrk="1" hangingPunct="1">
+              <a:buFontTx/>
+              <a:buNone/>
+            </a:pPr>
             <a:r>
               <a:rPr lang="en-US" sz="3200" dirty="0">
                 <a:latin typeface="Calibri" charset="0"/>
                 <a:ea typeface="ＭＳ Ｐゴシック" charset="0"/>
               </a:rPr>
-              <a:t>every variable must appear in a non-description logic atom in the rule body</a:t>
+              <a:t>there is no inference engine that draws exactly the same conclusions as the SWRL semantics</a:t>
             </a:r>
             <a:endParaRPr lang="el-GR" sz="3200" dirty="0">
               <a:latin typeface="Calibri" charset="0"/>
@@ -6701,6 +6858,123 @@
       </p:grpSpPr>
       <p:sp>
         <p:nvSpPr>
+          <p:cNvPr id="33793" name="AutoShape 2"/>
+          <p:cNvSpPr>
+            <a:spLocks noGrp="1" noChangeArrowheads="1"/>
+          </p:cNvSpPr>
+          <p:nvPr>
+            <p:ph type="title"/>
+          </p:nvPr>
+        </p:nvSpPr>
+        <p:spPr/>
+        <p:txBody>
+          <a:bodyPr/>
+          <a:lstStyle/>
+          <a:p>
+            <a:pPr eaLnBrk="1" hangingPunct="1"/>
+            <a:r>
+              <a:rPr lang="en-US" sz="4400">
+                <a:latin typeface="Calibri" charset="0"/>
+                <a:ea typeface="ＭＳ Ｐゴシック" charset="0"/>
+                <a:cs typeface="ＭＳ Ｐゴシック" charset="0"/>
+              </a:rPr>
+              <a:t>SWRL Sublanguages</a:t>
+            </a:r>
+            <a:endParaRPr lang="el-GR" sz="4400">
+              <a:latin typeface="Calibri" charset="0"/>
+              <a:ea typeface="ＭＳ Ｐゴシック" charset="0"/>
+              <a:cs typeface="ＭＳ Ｐゴシック" charset="0"/>
+            </a:endParaRPr>
+          </a:p>
+        </p:txBody>
+      </p:sp>
+      <p:sp>
+        <p:nvSpPr>
+          <p:cNvPr id="33794" name="Rectangle 3"/>
+          <p:cNvSpPr>
+            <a:spLocks noGrp="1" noChangeArrowheads="1"/>
+          </p:cNvSpPr>
+          <p:nvPr>
+            <p:ph type="body" idx="1"/>
+          </p:nvPr>
+        </p:nvSpPr>
+        <p:spPr/>
+        <p:txBody>
+          <a:bodyPr/>
+          <a:lstStyle/>
+          <a:p>
+            <a:pPr eaLnBrk="1" hangingPunct="1"/>
+            <a:r>
+              <a:rPr lang="en-US" sz="3600" dirty="0">
+                <a:latin typeface="Calibri" charset="0"/>
+                <a:ea typeface="ＭＳ Ｐゴシック" charset="0"/>
+                <a:cs typeface="ＭＳ Ｐゴシック" charset="0"/>
+              </a:rPr>
+              <a:t>Challenge: identify sublanguages of SWRL with right balance between expressivity and computational viability </a:t>
+            </a:r>
+          </a:p>
+          <a:p>
+            <a:pPr eaLnBrk="1" hangingPunct="1"/>
+            <a:r>
+              <a:rPr lang="en-US" sz="3600" dirty="0">
+                <a:latin typeface="Calibri" charset="0"/>
+                <a:ea typeface="ＭＳ Ｐゴシック" charset="0"/>
+                <a:cs typeface="ＭＳ Ｐゴシック" charset="0"/>
+              </a:rPr>
+              <a:t>A candidate OWL DL + </a:t>
+            </a:r>
+            <a:r>
+              <a:rPr lang="en-US" sz="3600" i="1" dirty="0">
+                <a:latin typeface="Calibri" charset="0"/>
+                <a:ea typeface="ＭＳ Ｐゴシック" charset="0"/>
+                <a:cs typeface="ＭＳ Ｐゴシック" charset="0"/>
+              </a:rPr>
+              <a:t>DL-safe rules </a:t>
+            </a:r>
+          </a:p>
+          <a:p>
+            <a:pPr lvl="1" eaLnBrk="1" hangingPunct="1"/>
+            <a:r>
+              <a:rPr lang="en-US" sz="3200" dirty="0">
+                <a:latin typeface="Calibri" charset="0"/>
+                <a:ea typeface="ＭＳ Ｐゴシック" charset="0"/>
+              </a:rPr>
+              <a:t>every variable must appear in a non-description logic atom in the rule body</a:t>
+            </a:r>
+            <a:endParaRPr lang="el-GR" sz="3200" dirty="0">
+              <a:latin typeface="Calibri" charset="0"/>
+              <a:ea typeface="ＭＳ Ｐゴシック" charset="0"/>
+            </a:endParaRPr>
+          </a:p>
+        </p:txBody>
+      </p:sp>
+    </p:spTree>
+  </p:cSld>
+  <p:clrMapOvr>
+    <a:masterClrMapping/>
+  </p:clrMapOvr>
+</p:sld>
+</file>
+
+<file path=ppt/slides/slide22.xml><?xml version="1.0" encoding="utf-8"?>
+<p:sld xmlns:a="http://schemas.openxmlformats.org/drawingml/2006/main" xmlns:r="http://schemas.openxmlformats.org/officeDocument/2006/relationships" xmlns:p="http://schemas.openxmlformats.org/presentationml/2006/main">
+  <p:cSld>
+    <p:spTree>
+      <p:nvGrpSpPr>
+        <p:cNvPr id="1" name=""/>
+        <p:cNvGrpSpPr/>
+        <p:nvPr/>
+      </p:nvGrpSpPr>
+      <p:grpSpPr>
+        <a:xfrm>
+          <a:off x="0" y="0"/>
+          <a:ext cx="0" cy="0"/>
+          <a:chOff x="0" y="0"/>
+          <a:chExt cx="0" cy="0"/>
+        </a:xfrm>
+      </p:grpSpPr>
+      <p:sp>
+        <p:nvSpPr>
           <p:cNvPr id="34817" name="Title 1"/>
           <p:cNvSpPr>
             <a:spLocks noGrp="1"/>
@@ -6835,15 +7109,15 @@
               <a:defRPr/>
             </a:pPr>
             <a:r>
-              <a:rPr lang="en-US" sz="2800" dirty="0"/>
-              <a:t>:Car = :Vehicle and some </a:t>
-            </a:r>
-            <a:r>
-              <a:rPr lang="en-US" sz="2800" dirty="0" err="1"/>
+              <a:rPr lang="en-US" dirty="0"/>
+              <a:t>:Car = :Vehicle and some :</a:t>
+            </a:r>
+            <a:r>
+              <a:rPr lang="en-US" dirty="0" err="1"/>
               <a:t>hasMotor</a:t>
             </a:r>
             <a:r>
-              <a:rPr lang="en-US" sz="2800" dirty="0"/>
+              <a:rPr lang="en-US" dirty="0"/>
               <a:t> Motor</a:t>
             </a:r>
           </a:p>
@@ -6854,10 +7128,10 @@
               <a:defRPr/>
             </a:pPr>
             <a:r>
-              <a:rPr lang="en-US" sz="2800" dirty="0"/>
+              <a:rPr lang="en-US" dirty="0"/>
               <a:t>:x a :Car</a:t>
             </a:r>
-            <a:endParaRPr lang="en-US" sz="3600" dirty="0"/>
+            <a:endParaRPr lang="en-US" sz="3200" dirty="0"/>
           </a:p>
           <a:p>
             <a:pPr marL="292100" lvl="1" indent="-292100">
@@ -6935,7 +7209,7 @@
 </p:sld>
 </file>
 
-<file path=ppt/slides/slide22.xml><?xml version="1.0" encoding="utf-8"?>
+<file path=ppt/slides/slide23.xml><?xml version="1.0" encoding="utf-8"?>
 <p:sld xmlns:a="http://schemas.openxmlformats.org/drawingml/2006/main" xmlns:r="http://schemas.openxmlformats.org/officeDocument/2006/relationships" xmlns:p="http://schemas.openxmlformats.org/presentationml/2006/main">
   <p:cSld>
     <p:spTree>
@@ -7070,150 +7344,6 @@
 </p:sld>
 </file>
 
-<file path=ppt/slides/slide23.xml><?xml version="1.0" encoding="utf-8"?>
-<p:sld xmlns:a="http://schemas.openxmlformats.org/drawingml/2006/main" xmlns:r="http://schemas.openxmlformats.org/officeDocument/2006/relationships" xmlns:p="http://schemas.openxmlformats.org/presentationml/2006/main">
-  <p:cSld>
-    <p:spTree>
-      <p:nvGrpSpPr>
-        <p:cNvPr id="1" name=""/>
-        <p:cNvGrpSpPr/>
-        <p:nvPr/>
-      </p:nvGrpSpPr>
-      <p:grpSpPr>
-        <a:xfrm>
-          <a:off x="0" y="0"/>
-          <a:ext cx="0" cy="0"/>
-          <a:chOff x="0" y="0"/>
-          <a:chExt cx="0" cy="0"/>
-        </a:xfrm>
-      </p:grpSpPr>
-      <p:sp>
-        <p:nvSpPr>
-          <p:cNvPr id="37889" name="Title 1"/>
-          <p:cNvSpPr>
-            <a:spLocks noGrp="1"/>
-          </p:cNvSpPr>
-          <p:nvPr>
-            <p:ph type="title"/>
-          </p:nvPr>
-        </p:nvSpPr>
-        <p:spPr/>
-        <p:txBody>
-          <a:bodyPr/>
-          <a:lstStyle/>
-          <a:p>
-            <a:r>
-              <a:rPr lang="en-US" sz="4000">
-                <a:latin typeface="Calibri" charset="0"/>
-                <a:ea typeface="ＭＳ Ｐゴシック" charset="0"/>
-                <a:cs typeface="ＭＳ Ｐゴシック" charset="0"/>
-              </a:rPr>
-              <a:t>SWRL limitations</a:t>
-            </a:r>
-          </a:p>
-        </p:txBody>
-      </p:sp>
-      <p:sp>
-        <p:nvSpPr>
-          <p:cNvPr id="3" name="Content Placeholder 2"/>
-          <p:cNvSpPr>
-            <a:spLocks noGrp="1"/>
-          </p:cNvSpPr>
-          <p:nvPr>
-            <p:ph idx="1"/>
-          </p:nvPr>
-        </p:nvSpPr>
-        <p:spPr/>
-        <p:txBody>
-          <a:bodyPr/>
-          <a:lstStyle/>
-          <a:p>
-            <a:pPr marL="0" indent="0">
-              <a:buFont typeface="Wingdings" charset="0"/>
-              <a:buNone/>
-              <a:defRPr/>
-            </a:pPr>
-            <a:r>
-              <a:rPr lang="en-US" dirty="0"/>
-              <a:t>SWRL rules do not support many useful features of of some rule-based systems</a:t>
-            </a:r>
-          </a:p>
-          <a:p>
-            <a:pPr>
-              <a:defRPr/>
-            </a:pPr>
-            <a:r>
-              <a:rPr lang="en-US" dirty="0"/>
-              <a:t>Default reasoning</a:t>
-            </a:r>
-          </a:p>
-          <a:p>
-            <a:pPr>
-              <a:defRPr/>
-            </a:pPr>
-            <a:r>
-              <a:rPr lang="en-US" dirty="0"/>
-              <a:t>Rule priorities</a:t>
-            </a:r>
-          </a:p>
-          <a:p>
-            <a:pPr>
-              <a:defRPr/>
-            </a:pPr>
-            <a:r>
-              <a:rPr lang="en-US" dirty="0"/>
-              <a:t>Negation as failure (e.g., for closed-world semantics)</a:t>
-            </a:r>
-          </a:p>
-          <a:p>
-            <a:pPr>
-              <a:defRPr/>
-            </a:pPr>
-            <a:r>
-              <a:rPr lang="en-US" dirty="0"/>
-              <a:t>Data structures</a:t>
-            </a:r>
-          </a:p>
-          <a:p>
-            <a:pPr>
-              <a:defRPr/>
-            </a:pPr>
-            <a:r>
-              <a:rPr lang="en-US" dirty="0"/>
-              <a:t>…</a:t>
-            </a:r>
-          </a:p>
-          <a:p>
-            <a:pPr marL="0" indent="0">
-              <a:buFont typeface="Wingdings" charset="0"/>
-              <a:buNone/>
-              <a:defRPr/>
-            </a:pPr>
-            <a:r>
-              <a:rPr lang="en-US" dirty="0"/>
-              <a:t>Limitations led to </a:t>
-            </a:r>
-            <a:r>
-              <a:rPr lang="en-US" dirty="0">
-                <a:hlinkClick r:id="rId2"/>
-              </a:rPr>
-              <a:t>RIF</a:t>
-            </a:r>
-            <a:r>
-              <a:rPr lang="en-US" dirty="0"/>
-              <a:t>, Rule Interchange Format</a:t>
-            </a:r>
-          </a:p>
-        </p:txBody>
-      </p:sp>
-    </p:spTree>
-  </p:cSld>
-  <p:clrMapOvr>
-    <a:masterClrMapping/>
-  </p:clrMapOvr>
-</p:sld>
-</file>
-
 <file path=ppt/slides/slide24.xml><?xml version="1.0" encoding="utf-8"?>
 <p:sld xmlns:a="http://schemas.openxmlformats.org/drawingml/2006/main" xmlns:r="http://schemas.openxmlformats.org/officeDocument/2006/relationships" xmlns:p="http://schemas.openxmlformats.org/presentationml/2006/main">
   <p:cSld>
@@ -7233,9 +7363,9 @@
       </p:grpSpPr>
       <p:sp>
         <p:nvSpPr>
-          <p:cNvPr id="38913" name="AutoShape 2"/>
+          <p:cNvPr id="37889" name="Title 1"/>
           <p:cNvSpPr>
-            <a:spLocks noGrp="1" noChangeArrowheads="1"/>
+            <a:spLocks noGrp="1"/>
           </p:cNvSpPr>
           <p:nvPr>
             <p:ph type="title"/>
@@ -7246,26 +7376,25 @@
           <a:bodyPr/>
           <a:lstStyle/>
           <a:p>
-            <a:pPr eaLnBrk="1" hangingPunct="1"/>
-            <a:r>
-              <a:rPr lang="el-GR" sz="4000">
-                <a:latin typeface="Calibri" charset="0"/>
-                <a:ea typeface="ＭＳ Ｐゴシック" charset="0"/>
-                <a:cs typeface="ＭＳ Ｐゴシック" charset="0"/>
-              </a:rPr>
-              <a:t>Summary </a:t>
+            <a:r>
+              <a:rPr lang="en-US" sz="4000">
+                <a:latin typeface="Calibri" charset="0"/>
+                <a:ea typeface="ＭＳ Ｐゴシック" charset="0"/>
+                <a:cs typeface="ＭＳ Ｐゴシック" charset="0"/>
+              </a:rPr>
+              <a:t>SWRL limitations</a:t>
             </a:r>
           </a:p>
         </p:txBody>
       </p:sp>
       <p:sp>
         <p:nvSpPr>
-          <p:cNvPr id="38914" name="Rectangle 3"/>
+          <p:cNvPr id="3" name="Content Placeholder 2"/>
           <p:cNvSpPr>
-            <a:spLocks noGrp="1" noChangeArrowheads="1"/>
+            <a:spLocks noGrp="1"/>
           </p:cNvSpPr>
           <p:nvPr>
-            <p:ph type="body" idx="1"/>
+            <p:ph idx="1"/>
           </p:nvPr>
         </p:nvSpPr>
         <p:spPr/>
@@ -7273,89 +7402,80 @@
           <a:bodyPr/>
           <a:lstStyle/>
           <a:p>
-            <a:pPr eaLnBrk="1" hangingPunct="1">
-              <a:lnSpc>
-                <a:spcPct val="110000"/>
-              </a:lnSpc>
-            </a:pPr>
-            <a:r>
-              <a:rPr lang="en-US" dirty="0">
-                <a:latin typeface="Calibri" charset="0"/>
-                <a:ea typeface="ＭＳ Ｐゴシック" charset="0"/>
-                <a:cs typeface="ＭＳ Ｐゴシック" charset="0"/>
-              </a:rPr>
-              <a:t>Horn logic is a subset of predicate logic that allows efficient reasoning, </a:t>
-            </a:r>
-            <a:r>
-              <a:rPr lang="en-GB" dirty="0">
-                <a:latin typeface="Calibri" charset="0"/>
-                <a:ea typeface="ＭＳ Ｐゴシック" charset="0"/>
-                <a:cs typeface="ＭＳ Ｐゴシック" charset="0"/>
-              </a:rPr>
-              <a:t>orthogonal to description logics</a:t>
-            </a:r>
-            <a:endParaRPr lang="en-US" dirty="0">
-              <a:latin typeface="Calibri" charset="0"/>
-              <a:ea typeface="ＭＳ Ｐゴシック" charset="0"/>
-              <a:cs typeface="ＭＳ Ｐゴシック" charset="0"/>
-            </a:endParaRPr>
-          </a:p>
-          <a:p>
-            <a:pPr eaLnBrk="1" hangingPunct="1">
-              <a:lnSpc>
-                <a:spcPct val="110000"/>
-              </a:lnSpc>
-            </a:pPr>
-            <a:r>
-              <a:rPr lang="en-US" dirty="0">
-                <a:latin typeface="Calibri" charset="0"/>
-                <a:ea typeface="ＭＳ Ｐゴシック" charset="0"/>
-                <a:cs typeface="ＭＳ Ｐゴシック" charset="0"/>
-              </a:rPr>
-              <a:t>Horn logic is the basis of monotonic rules</a:t>
-            </a:r>
-          </a:p>
-          <a:p>
-            <a:pPr eaLnBrk="1" hangingPunct="1">
-              <a:lnSpc>
-                <a:spcPct val="110000"/>
-              </a:lnSpc>
-            </a:pPr>
-            <a:r>
-              <a:rPr lang="en-US" dirty="0">
-                <a:latin typeface="Calibri" charset="0"/>
-                <a:ea typeface="ＭＳ Ｐゴシック" charset="0"/>
-                <a:cs typeface="ＭＳ Ｐゴシック" charset="0"/>
-              </a:rPr>
-              <a:t>DLP and SWRL are two important ways of combining OWL with Horn rules. </a:t>
-            </a:r>
-          </a:p>
-          <a:p>
-            <a:pPr lvl="1" eaLnBrk="1" hangingPunct="1">
-              <a:lnSpc>
-                <a:spcPct val="110000"/>
-              </a:lnSpc>
-            </a:pPr>
-            <a:r>
-              <a:rPr lang="en-US" dirty="0">
-                <a:latin typeface="Calibri" charset="0"/>
-                <a:ea typeface="ＭＳ Ｐゴシック" charset="0"/>
-              </a:rPr>
-              <a:t>DLP is essentially the intersection of OWL and Horn logic</a:t>
-            </a:r>
-          </a:p>
-          <a:p>
-            <a:pPr lvl="1" eaLnBrk="1" hangingPunct="1">
-              <a:lnSpc>
-                <a:spcPct val="110000"/>
-              </a:lnSpc>
-            </a:pPr>
-            <a:r>
-              <a:rPr lang="en-US" dirty="0">
-                <a:latin typeface="Calibri" charset="0"/>
-                <a:ea typeface="ＭＳ Ｐゴシック" charset="0"/>
-              </a:rPr>
-              <a:t>SWRL is a much richer language</a:t>
+            <a:pPr marL="0" indent="0">
+              <a:buFont typeface="Wingdings" charset="0"/>
+              <a:buNone/>
+              <a:defRPr/>
+            </a:pPr>
+            <a:r>
+              <a:rPr lang="en-US" dirty="0"/>
+              <a:t>SWRL rules do not support many useful features of of some rule-based systems</a:t>
+            </a:r>
+          </a:p>
+          <a:p>
+            <a:pPr>
+              <a:defRPr/>
+            </a:pPr>
+            <a:r>
+              <a:rPr lang="en-US" dirty="0"/>
+              <a:t>Default reasoning</a:t>
+            </a:r>
+          </a:p>
+          <a:p>
+            <a:pPr>
+              <a:defRPr/>
+            </a:pPr>
+            <a:r>
+              <a:rPr lang="en-US" dirty="0"/>
+              <a:t>Rule priorities</a:t>
+            </a:r>
+          </a:p>
+          <a:p>
+            <a:pPr>
+              <a:defRPr/>
+            </a:pPr>
+            <a:r>
+              <a:rPr lang="en-US" dirty="0"/>
+              <a:t>Negation as failure (e.g., for closed-world semantics)</a:t>
+            </a:r>
+          </a:p>
+          <a:p>
+            <a:pPr>
+              <a:defRPr/>
+            </a:pPr>
+            <a:r>
+              <a:rPr lang="en-US" dirty="0"/>
+              <a:t>Data structures</a:t>
+            </a:r>
+          </a:p>
+          <a:p>
+            <a:pPr>
+              <a:defRPr/>
+            </a:pPr>
+            <a:r>
+              <a:rPr lang="en-US" dirty="0"/>
+              <a:t>…</a:t>
+            </a:r>
+          </a:p>
+          <a:p>
+            <a:pPr marL="0" indent="0">
+              <a:buFont typeface="Wingdings" charset="0"/>
+              <a:buNone/>
+              <a:defRPr/>
+            </a:pPr>
+            <a:r>
+              <a:rPr lang="en-US" dirty="0"/>
+              <a:t>Limitations led to </a:t>
+            </a:r>
+            <a:r>
+              <a:rPr lang="en-US" dirty="0">
+                <a:hlinkClick r:id="rId2"/>
+              </a:rPr>
+              <a:t>RIF</a:t>
+            </a:r>
+            <a:r>
+              <a:rPr lang="en-US" dirty="0"/>
+              <a:t>, Rule Interchange Format</a:t>
             </a:r>
           </a:p>
         </p:txBody>
@@ -7387,6 +7507,160 @@
       </p:grpSpPr>
       <p:sp>
         <p:nvSpPr>
+          <p:cNvPr id="38913" name="AutoShape 2"/>
+          <p:cNvSpPr>
+            <a:spLocks noGrp="1" noChangeArrowheads="1"/>
+          </p:cNvSpPr>
+          <p:nvPr>
+            <p:ph type="title"/>
+          </p:nvPr>
+        </p:nvSpPr>
+        <p:spPr/>
+        <p:txBody>
+          <a:bodyPr/>
+          <a:lstStyle/>
+          <a:p>
+            <a:pPr eaLnBrk="1" hangingPunct="1"/>
+            <a:r>
+              <a:rPr lang="el-GR" sz="4000">
+                <a:latin typeface="Calibri" charset="0"/>
+                <a:ea typeface="ＭＳ Ｐゴシック" charset="0"/>
+                <a:cs typeface="ＭＳ Ｐゴシック" charset="0"/>
+              </a:rPr>
+              <a:t>Summary </a:t>
+            </a:r>
+          </a:p>
+        </p:txBody>
+      </p:sp>
+      <p:sp>
+        <p:nvSpPr>
+          <p:cNvPr id="38914" name="Rectangle 3"/>
+          <p:cNvSpPr>
+            <a:spLocks noGrp="1" noChangeArrowheads="1"/>
+          </p:cNvSpPr>
+          <p:nvPr>
+            <p:ph type="body" idx="1"/>
+          </p:nvPr>
+        </p:nvSpPr>
+        <p:spPr/>
+        <p:txBody>
+          <a:bodyPr/>
+          <a:lstStyle/>
+          <a:p>
+            <a:pPr eaLnBrk="1" hangingPunct="1">
+              <a:lnSpc>
+                <a:spcPct val="110000"/>
+              </a:lnSpc>
+            </a:pPr>
+            <a:r>
+              <a:rPr lang="en-US" dirty="0">
+                <a:latin typeface="Calibri" charset="0"/>
+                <a:ea typeface="ＭＳ Ｐゴシック" charset="0"/>
+                <a:cs typeface="ＭＳ Ｐゴシック" charset="0"/>
+              </a:rPr>
+              <a:t>Horn logic is a subset of predicate logic that allows efficient reasoning, </a:t>
+            </a:r>
+            <a:r>
+              <a:rPr lang="en-GB" dirty="0">
+                <a:latin typeface="Calibri" charset="0"/>
+                <a:ea typeface="ＭＳ Ｐゴシック" charset="0"/>
+                <a:cs typeface="ＭＳ Ｐゴシック" charset="0"/>
+              </a:rPr>
+              <a:t>orthogonal to description logics</a:t>
+            </a:r>
+            <a:endParaRPr lang="en-US" dirty="0">
+              <a:latin typeface="Calibri" charset="0"/>
+              <a:ea typeface="ＭＳ Ｐゴシック" charset="0"/>
+              <a:cs typeface="ＭＳ Ｐゴシック" charset="0"/>
+            </a:endParaRPr>
+          </a:p>
+          <a:p>
+            <a:pPr eaLnBrk="1" hangingPunct="1">
+              <a:lnSpc>
+                <a:spcPct val="110000"/>
+              </a:lnSpc>
+            </a:pPr>
+            <a:r>
+              <a:rPr lang="en-US" dirty="0">
+                <a:latin typeface="Calibri" charset="0"/>
+                <a:ea typeface="ＭＳ Ｐゴシック" charset="0"/>
+                <a:cs typeface="ＭＳ Ｐゴシック" charset="0"/>
+              </a:rPr>
+              <a:t>Horn logic is the basis of monotonic rules</a:t>
+            </a:r>
+          </a:p>
+          <a:p>
+            <a:pPr eaLnBrk="1" hangingPunct="1">
+              <a:lnSpc>
+                <a:spcPct val="110000"/>
+              </a:lnSpc>
+            </a:pPr>
+            <a:r>
+              <a:rPr lang="en-US" dirty="0">
+                <a:latin typeface="Calibri" charset="0"/>
+                <a:ea typeface="ＭＳ Ｐゴシック" charset="0"/>
+                <a:cs typeface="ＭＳ Ｐゴシック" charset="0"/>
+              </a:rPr>
+              <a:t>DLP and SWRL are two important ways of combining OWL with Horn rules. </a:t>
+            </a:r>
+          </a:p>
+          <a:p>
+            <a:pPr lvl="1" eaLnBrk="1" hangingPunct="1">
+              <a:lnSpc>
+                <a:spcPct val="110000"/>
+              </a:lnSpc>
+            </a:pPr>
+            <a:r>
+              <a:rPr lang="en-US" dirty="0">
+                <a:latin typeface="Calibri" charset="0"/>
+                <a:ea typeface="ＭＳ Ｐゴシック" charset="0"/>
+              </a:rPr>
+              <a:t>DLP is essentially the intersection of OWL and Horn logic</a:t>
+            </a:r>
+          </a:p>
+          <a:p>
+            <a:pPr lvl="1" eaLnBrk="1" hangingPunct="1">
+              <a:lnSpc>
+                <a:spcPct val="110000"/>
+              </a:lnSpc>
+            </a:pPr>
+            <a:r>
+              <a:rPr lang="en-US" dirty="0">
+                <a:latin typeface="Calibri" charset="0"/>
+                <a:ea typeface="ＭＳ Ｐゴシック" charset="0"/>
+              </a:rPr>
+              <a:t>SWRL is a much richer language</a:t>
+            </a:r>
+          </a:p>
+        </p:txBody>
+      </p:sp>
+    </p:spTree>
+  </p:cSld>
+  <p:clrMapOvr>
+    <a:masterClrMapping/>
+  </p:clrMapOvr>
+</p:sld>
+</file>
+
+<file path=ppt/slides/slide26.xml><?xml version="1.0" encoding="utf-8"?>
+<p:sld xmlns:a="http://schemas.openxmlformats.org/drawingml/2006/main" xmlns:r="http://schemas.openxmlformats.org/officeDocument/2006/relationships" xmlns:p="http://schemas.openxmlformats.org/presentationml/2006/main">
+  <p:cSld>
+    <p:spTree>
+      <p:nvGrpSpPr>
+        <p:cNvPr id="1" name=""/>
+        <p:cNvGrpSpPr/>
+        <p:nvPr/>
+      </p:nvGrpSpPr>
+      <p:grpSpPr>
+        <a:xfrm>
+          <a:off x="0" y="0"/>
+          <a:ext cx="0" cy="0"/>
+          <a:chOff x="0" y="0"/>
+          <a:chExt cx="0" cy="0"/>
+        </a:xfrm>
+      </p:grpSpPr>
+      <p:sp>
+        <p:nvSpPr>
           <p:cNvPr id="39937" name="AutoShape 2"/>
           <p:cNvSpPr>
             <a:spLocks noGrp="1" noChangeArrowheads="1"/>
@@ -7706,7 +7980,7 @@
         <p:spPr>
           <a:xfrm>
             <a:off x="342900" y="1371600"/>
-            <a:ext cx="8458200" cy="4724400"/>
+            <a:ext cx="8801100" cy="4724400"/>
           </a:xfrm>
         </p:spPr>
         <p:txBody>
@@ -7732,7 +8006,7 @@
                 <a:ea typeface="ＭＳ Ｐゴシック" charset="0"/>
                 <a:cs typeface="ＭＳ Ｐゴシック" charset="0"/>
               </a:rPr>
-              <a:t> based on DL (and thus in FOL)</a:t>
+              <a:t> based on DL (and thus on FOL)</a:t>
             </a:r>
           </a:p>
           <a:p>
@@ -7938,22 +8212,51 @@
             <p:ph type="title"/>
           </p:nvPr>
         </p:nvSpPr>
-        <p:spPr/>
+        <p:spPr>
+          <a:xfrm>
+            <a:off x="323850" y="260350"/>
+            <a:ext cx="7185074" cy="784225"/>
+          </a:xfrm>
+        </p:spPr>
         <p:txBody>
           <a:bodyPr/>
           <a:lstStyle/>
           <a:p>
-            <a:pPr eaLnBrk="1" hangingPunct="1"/>
-            <a:r>
-              <a:rPr lang="fr-FR" sz="4000">
-                <a:latin typeface="Calibri" charset="0"/>
-                <a:ea typeface="ＭＳ Ｐゴシック" charset="0"/>
-                <a:cs typeface="ＭＳ Ｐゴシック" charset="0"/>
-              </a:rPr>
-              <a:t>Description Logics vs. Horn Logic</a:t>
-            </a:r>
-            <a:r>
-              <a:rPr lang="el-GR" sz="4000">
+            <a:pPr algn="l" eaLnBrk="1" hangingPunct="1"/>
+            <a:r>
+              <a:rPr lang="fr-FR" sz="4000" dirty="0">
+                <a:latin typeface="Calibri" charset="0"/>
+                <a:ea typeface="ＭＳ Ｐゴシック" charset="0"/>
+                <a:cs typeface="ＭＳ Ｐゴシック" charset="0"/>
+              </a:rPr>
+              <a:t>Description </a:t>
+            </a:r>
+            <a:r>
+              <a:rPr lang="fr-FR" sz="4000" dirty="0" err="1">
+                <a:latin typeface="Calibri" charset="0"/>
+                <a:ea typeface="ＭＳ Ｐゴシック" charset="0"/>
+                <a:cs typeface="ＭＳ Ｐゴシック" charset="0"/>
+              </a:rPr>
+              <a:t>Logics</a:t>
+            </a:r>
+            <a:r>
+              <a:rPr lang="fr-FR" sz="4000" dirty="0">
+                <a:latin typeface="Calibri" charset="0"/>
+                <a:ea typeface="ＭＳ Ｐゴシック" charset="0"/>
+                <a:cs typeface="ＭＳ Ｐゴシック" charset="0"/>
+              </a:rPr>
+              <a:t> vs. Horn </a:t>
+            </a:r>
+            <a:r>
+              <a:rPr lang="fr-FR" sz="4000" dirty="0" err="1">
+                <a:latin typeface="Calibri" charset="0"/>
+                <a:ea typeface="ＭＳ Ｐゴシック" charset="0"/>
+                <a:cs typeface="ＭＳ Ｐゴシック" charset="0"/>
+              </a:rPr>
+              <a:t>Logic</a:t>
+            </a:r>
+            <a:r>
+              <a:rPr lang="el-GR" sz="4000" dirty="0">
                 <a:latin typeface="Calibri" charset="0"/>
                 <a:ea typeface="ＭＳ Ｐゴシック" charset="0"/>
                 <a:cs typeface="ＭＳ Ｐゴシック" charset="0"/>
@@ -8013,7 +8316,7 @@
                 <a:cs typeface="ＭＳ Ｐゴシック" charset="0"/>
                 <a:sym typeface="Symbol" charset="0"/>
               </a:rPr>
-              <a:t>Impossible in OWL DL: people who study &amp;</a:t>
+              <a:t>Impossible in OWL DL: people who study</a:t>
             </a:r>
             <a:br>
               <a:rPr lang="en-US" dirty="0">
@@ -8030,7 +8333,7 @@
                 <a:cs typeface="ＭＳ Ｐゴシック" charset="0"/>
                 <a:sym typeface="Symbol" charset="0"/>
               </a:rPr>
-              <a:t>live in same city are local students, </a:t>
+              <a:t>and live in same city are local students </a:t>
             </a:r>
           </a:p>
           <a:p>
@@ -8184,6 +8487,116 @@
               <a:cs typeface="ＭＳ Ｐゴシック" charset="0"/>
               <a:sym typeface="Symbol" charset="0"/>
             </a:endParaRPr>
+          </a:p>
+        </p:txBody>
+      </p:sp>
+      <p:sp>
+        <p:nvSpPr>
+          <p:cNvPr id="2" name="Oval 1">
+            <a:extLst>
+              <a:ext uri="{FF2B5EF4-FFF2-40B4-BE49-F238E27FC236}">
+                <a16:creationId xmlns:a16="http://schemas.microsoft.com/office/drawing/2014/main" id="{13330B49-C52A-F141-A967-3F3DF8F8A890}"/>
+              </a:ext>
+            </a:extLst>
+          </p:cNvPr>
+          <p:cNvSpPr/>
+          <p:nvPr/>
+        </p:nvSpPr>
+        <p:spPr>
+          <a:xfrm>
+            <a:off x="7668344" y="188640"/>
+            <a:ext cx="1008112" cy="1008112"/>
+          </a:xfrm>
+          <a:prstGeom prst="ellipse">
+            <a:avLst/>
+          </a:prstGeom>
+          <a:solidFill>
+            <a:schemeClr val="tx1">
+              <a:lumMod val="40000"/>
+              <a:lumOff val="60000"/>
+              <a:alpha val="50000"/>
+            </a:schemeClr>
+          </a:solidFill>
+          <a:ln w="12700">
+            <a:solidFill>
+              <a:schemeClr val="tx1"/>
+            </a:solidFill>
+          </a:ln>
+        </p:spPr>
+        <p:style>
+          <a:lnRef idx="1">
+            <a:schemeClr val="accent1"/>
+          </a:lnRef>
+          <a:fillRef idx="3">
+            <a:schemeClr val="accent1"/>
+          </a:fillRef>
+          <a:effectRef idx="2">
+            <a:schemeClr val="accent1"/>
+          </a:effectRef>
+          <a:fontRef idx="minor">
+            <a:schemeClr val="lt1"/>
+          </a:fontRef>
+        </p:style>
+        <p:txBody>
+          <a:bodyPr rtlCol="0" anchor="ctr"/>
+          <a:lstStyle/>
+          <a:p>
+            <a:pPr algn="ctr"/>
+            <a:endParaRPr lang="en-US" dirty="0"/>
+          </a:p>
+        </p:txBody>
+      </p:sp>
+      <p:sp>
+        <p:nvSpPr>
+          <p:cNvPr id="5" name="Oval 4">
+            <a:extLst>
+              <a:ext uri="{FF2B5EF4-FFF2-40B4-BE49-F238E27FC236}">
+                <a16:creationId xmlns:a16="http://schemas.microsoft.com/office/drawing/2014/main" id="{46FC1BBF-05AB-1849-AFEF-14DB12F13B5F}"/>
+              </a:ext>
+            </a:extLst>
+          </p:cNvPr>
+          <p:cNvSpPr/>
+          <p:nvPr/>
+        </p:nvSpPr>
+        <p:spPr>
+          <a:xfrm>
+            <a:off x="7956376" y="188640"/>
+            <a:ext cx="1008112" cy="1008112"/>
+          </a:xfrm>
+          <a:prstGeom prst="ellipse">
+            <a:avLst/>
+          </a:prstGeom>
+          <a:solidFill>
+            <a:schemeClr val="accent6">
+              <a:alpha val="50000"/>
+            </a:schemeClr>
+          </a:solidFill>
+          <a:ln w="12700">
+            <a:solidFill>
+              <a:schemeClr val="tx1"/>
+            </a:solidFill>
+          </a:ln>
+        </p:spPr>
+        <p:style>
+          <a:lnRef idx="1">
+            <a:schemeClr val="accent1"/>
+          </a:lnRef>
+          <a:fillRef idx="3">
+            <a:schemeClr val="accent1"/>
+          </a:fillRef>
+          <a:effectRef idx="2">
+            <a:schemeClr val="accent1"/>
+          </a:effectRef>
+          <a:fontRef idx="minor">
+            <a:schemeClr val="lt1"/>
+          </a:fontRef>
+        </p:style>
+        <p:txBody>
+          <a:bodyPr rtlCol="0" anchor="ctr"/>
+          <a:lstStyle/>
+          <a:p>
+            <a:pPr algn="ctr"/>
+            <a:endParaRPr lang="en-US"/>
           </a:p>
         </p:txBody>
       </p:sp>
@@ -8250,7 +8663,7 @@
         </p:nvSpPr>
         <p:spPr>
           <a:xfrm>
-            <a:off x="323850" y="1268413"/>
+            <a:off x="323850" y="1079773"/>
             <a:ext cx="8712646" cy="5589587"/>
           </a:xfrm>
         </p:spPr>
@@ -8259,7 +8672,7 @@
           <a:lstStyle/>
           <a:p>
             <a:r>
-              <a:rPr lang="en-US" dirty="0">
+              <a:rPr lang="en-US" sz="3000" dirty="0">
                 <a:latin typeface="Calibri" charset="0"/>
                 <a:ea typeface="ＭＳ Ｐゴシック" charset="0"/>
                 <a:cs typeface="ＭＳ Ｐゴシック" charset="0"/>
@@ -8268,7 +8681,7 @@
               <a:t>Prolog</a:t>
             </a:r>
             <a:r>
-              <a:rPr lang="en-US" dirty="0">
+              <a:rPr lang="en-US" sz="3000" dirty="0">
                 <a:latin typeface="Calibri" charset="0"/>
                 <a:ea typeface="ＭＳ Ｐゴシック" charset="0"/>
                 <a:cs typeface="ＭＳ Ｐゴシック" charset="0"/>
@@ -8276,7 +8689,7 @@
               <a:t> and most ‘logic’-oriented rule languages use </a:t>
             </a:r>
             <a:r>
-              <a:rPr lang="en-US" dirty="0">
+              <a:rPr lang="en-US" sz="3000" dirty="0">
                 <a:latin typeface="Calibri" charset="0"/>
                 <a:ea typeface="ＭＳ Ｐゴシック" charset="0"/>
                 <a:cs typeface="ＭＳ Ｐゴシック" charset="0"/>
@@ -8285,7 +8698,7 @@
               <a:t>horn clause</a:t>
             </a:r>
             <a:r>
-              <a:rPr lang="en-US" dirty="0">
+              <a:rPr lang="en-US" sz="3000" dirty="0">
                 <a:latin typeface="Calibri" charset="0"/>
                 <a:ea typeface="ＭＳ Ｐゴシック" charset="0"/>
                 <a:cs typeface="ＭＳ Ｐゴシック" charset="0"/>
@@ -8296,33 +8709,33 @@
           <a:p>
             <a:pPr lvl="1"/>
             <a:r>
-              <a:rPr lang="en-US" dirty="0">
+              <a:rPr lang="en-US" sz="2400" dirty="0">
                 <a:latin typeface="Calibri" charset="0"/>
                 <a:ea typeface="ＭＳ Ｐゴシック" charset="0"/>
               </a:rPr>
               <a:t>Defined by UCLA mathematician </a:t>
             </a:r>
             <a:r>
-              <a:rPr lang="en-US" dirty="0">
+              <a:rPr lang="en-US" sz="2400" dirty="0">
                 <a:latin typeface="Calibri" charset="0"/>
                 <a:ea typeface="ＭＳ Ｐゴシック" charset="0"/>
                 <a:hlinkClick r:id="rId5"/>
               </a:rPr>
               <a:t>Alfred Horn</a:t>
             </a:r>
-            <a:endParaRPr lang="en-US" dirty="0">
+            <a:endParaRPr lang="en-US" sz="2400" dirty="0">
               <a:latin typeface="Calibri" charset="0"/>
               <a:ea typeface="ＭＳ Ｐゴシック" charset="0"/>
             </a:endParaRPr>
           </a:p>
           <a:p>
             <a:r>
-              <a:rPr lang="en-US" dirty="0">
-                <a:latin typeface="Calibri" charset="0"/>
-                <a:ea typeface="ＭＳ Ｐゴシック" charset="0"/>
-                <a:cs typeface="ＭＳ Ｐゴシック" charset="0"/>
-              </a:rPr>
-              <a:t>Horn clauses: a subset of FOL where every sentence is a disjunction of  literals (atoms) where at most one is positive</a:t>
+              <a:rPr lang="en-US" sz="3000" dirty="0">
+                <a:latin typeface="Calibri" charset="0"/>
+                <a:ea typeface="ＭＳ Ｐゴシック" charset="0"/>
+                <a:cs typeface="ＭＳ Ｐゴシック" charset="0"/>
+              </a:rPr>
+              <a:t>Horn clauses: subset of FOL where every sentence is a disjunction of atoms where at most one is positive</a:t>
             </a:r>
           </a:p>
           <a:p>
@@ -8331,11 +8744,11 @@
               <a:buNone/>
             </a:pPr>
             <a:r>
-              <a:rPr lang="en-US" dirty="0">
-                <a:latin typeface="Calibri" charset="0"/>
-                <a:ea typeface="ＭＳ Ｐゴシック" charset="0"/>
-              </a:rPr>
-              <a:t>~P V ~Q V ~R V S</a:t>
+              <a:rPr lang="en-US" sz="2400" dirty="0">
+                <a:latin typeface="Calibri" charset="0"/>
+                <a:ea typeface="ＭＳ Ｐゴシック" charset="0"/>
+              </a:rPr>
+              <a:t>~P V ~Q V R</a:t>
             </a:r>
           </a:p>
           <a:p>
@@ -8344,53 +8757,11 @@
               <a:buNone/>
             </a:pPr>
             <a:r>
-              <a:rPr lang="en-US" dirty="0">
-                <a:latin typeface="Calibri" charset="0"/>
-                <a:ea typeface="ＭＳ Ｐゴシック" charset="0"/>
-              </a:rPr>
-              <a:t>~P V ~Q V ~R</a:t>
-            </a:r>
-          </a:p>
-          <a:p>
-            <a:r>
-              <a:rPr lang="en-US" dirty="0">
-                <a:latin typeface="Calibri" charset="0"/>
-                <a:ea typeface="ＭＳ Ｐゴシック" charset="0"/>
-                <a:cs typeface="ＭＳ Ｐゴシック" charset="0"/>
-              </a:rPr>
-              <a:t>Atoms: propositional variables (</a:t>
-            </a:r>
-            <a:r>
-              <a:rPr lang="en-US" dirty="0" err="1">
-                <a:latin typeface="Calibri" charset="0"/>
-                <a:ea typeface="ＭＳ Ｐゴシック" charset="0"/>
-                <a:cs typeface="ＭＳ Ｐゴシック" charset="0"/>
-              </a:rPr>
-              <a:t>isRaining</a:t>
-            </a:r>
-            <a:r>
-              <a:rPr lang="en-US" dirty="0">
-                <a:latin typeface="Calibri" charset="0"/>
-                <a:ea typeface="ＭＳ Ｐゴシック" charset="0"/>
-                <a:cs typeface="ＭＳ Ｐゴシック" charset="0"/>
-              </a:rPr>
-              <a:t>) or predicates (married(</a:t>
-            </a:r>
-            <a:r>
-              <a:rPr lang="en-US" dirty="0" err="1">
-                <a:latin typeface="Calibri" charset="0"/>
-                <a:ea typeface="ＭＳ Ｐゴシック" charset="0"/>
-                <a:cs typeface="ＭＳ Ｐゴシック" charset="0"/>
-              </a:rPr>
-              <a:t>alice</a:t>
-            </a:r>
-            <a:r>
-              <a:rPr lang="en-US" dirty="0">
-                <a:latin typeface="Calibri" charset="0"/>
-                <a:ea typeface="ＭＳ Ｐゴシック" charset="0"/>
-                <a:cs typeface="ＭＳ Ｐゴシック" charset="0"/>
-              </a:rPr>
-              <a:t>, ?x)) </a:t>
+              <a:rPr lang="en-US" sz="2400" dirty="0">
+                <a:latin typeface="Calibri" charset="0"/>
+                <a:ea typeface="ＭＳ Ｐゴシック" charset="0"/>
+              </a:rPr>
+              <a:t>~P V ~Q</a:t>
             </a:r>
           </a:p>
           <a:p>
@@ -8398,13 +8769,84 @@
               <a:buFontTx/>
               <a:buNone/>
             </a:pPr>
-            <a:endParaRPr lang="en-US" dirty="0">
+            <a:r>
+              <a:rPr lang="en-US" sz="2400" dirty="0">
+                <a:latin typeface="Calibri" charset="0"/>
+                <a:ea typeface="ＭＳ Ｐゴシック" charset="0"/>
+              </a:rPr>
+              <a:t>R</a:t>
+            </a:r>
+          </a:p>
+          <a:p>
+            <a:r>
+              <a:rPr lang="en-US" sz="3000" dirty="0">
+                <a:latin typeface="Calibri" charset="0"/>
+                <a:ea typeface="ＭＳ Ｐゴシック" charset="0"/>
+                <a:cs typeface="ＭＳ Ｐゴシック" charset="0"/>
+              </a:rPr>
+              <a:t>Atoms: propositional variables (</a:t>
+            </a:r>
+            <a:r>
+              <a:rPr lang="en-US" sz="3000" dirty="0" err="1">
+                <a:latin typeface="Calibri" charset="0"/>
+                <a:ea typeface="ＭＳ Ｐゴシック" charset="0"/>
+                <a:cs typeface="ＭＳ Ｐゴシック" charset="0"/>
+              </a:rPr>
+              <a:t>isMarried</a:t>
+            </a:r>
+            <a:r>
+              <a:rPr lang="en-US" sz="3000" dirty="0">
+                <a:latin typeface="Calibri" charset="0"/>
+                <a:ea typeface="ＭＳ Ｐゴシック" charset="0"/>
+                <a:cs typeface="ＭＳ Ｐゴシック" charset="0"/>
+              </a:rPr>
+              <a:t>) or predicates (e.g., person(</a:t>
+            </a:r>
+            <a:r>
+              <a:rPr lang="en-US" sz="3000" dirty="0" err="1">
+                <a:latin typeface="Calibri" charset="0"/>
+                <a:ea typeface="ＭＳ Ｐゴシック" charset="0"/>
+                <a:cs typeface="ＭＳ Ｐゴシック" charset="0"/>
+              </a:rPr>
+              <a:t>alice</a:t>
+            </a:r>
+            <a:r>
+              <a:rPr lang="en-US" sz="3000" dirty="0">
+                <a:latin typeface="Calibri" charset="0"/>
+                <a:ea typeface="ＭＳ Ｐゴシック" charset="0"/>
+                <a:cs typeface="ＭＳ Ｐゴシック" charset="0"/>
+              </a:rPr>
+              <a:t>), mother(</a:t>
+            </a:r>
+            <a:r>
+              <a:rPr lang="en-US" sz="3000" dirty="0" err="1">
+                <a:latin typeface="Calibri" charset="0"/>
+                <a:ea typeface="ＭＳ Ｐゴシック" charset="0"/>
+                <a:cs typeface="ＭＳ Ｐゴシック" charset="0"/>
+              </a:rPr>
+              <a:t>alice</a:t>
+            </a:r>
+            <a:r>
+              <a:rPr lang="en-US" sz="3000" dirty="0">
+                <a:latin typeface="Calibri" charset="0"/>
+                <a:ea typeface="ＭＳ Ｐゴシック" charset="0"/>
+                <a:cs typeface="ＭＳ Ｐゴシック" charset="0"/>
+              </a:rPr>
+              <a:t>, ?x)) that can have variables</a:t>
+            </a:r>
+          </a:p>
+          <a:p>
+            <a:pPr lvl="1">
+              <a:buFontTx/>
+              <a:buNone/>
+            </a:pPr>
+            <a:endParaRPr lang="en-US" sz="2400" dirty="0">
               <a:latin typeface="Calibri" charset="0"/>
               <a:ea typeface="ＭＳ Ｐゴシック" charset="0"/>
             </a:endParaRPr>
           </a:p>
           <a:p>
-            <a:endParaRPr lang="en-US" dirty="0">
+            <a:endParaRPr lang="en-US" sz="2800" dirty="0">
               <a:latin typeface="Calibri" charset="0"/>
               <a:ea typeface="ＭＳ Ｐゴシック" charset="0"/>
               <a:cs typeface="ＭＳ Ｐゴシック" charset="0"/>
@@ -8476,7 +8918,7 @@
         <p:spPr>
           <a:xfrm>
             <a:off x="395288" y="1066800"/>
-            <a:ext cx="8353425" cy="5216525"/>
+            <a:ext cx="8353425" cy="5530850"/>
           </a:xfrm>
         </p:spPr>
         <p:txBody>
@@ -8487,7 +8929,7 @@
               <a:defRPr/>
             </a:pPr>
             <a:r>
-              <a:rPr lang="en-US" dirty="0">
+              <a:rPr lang="en-US" sz="2800" dirty="0">
                 <a:ea typeface="ＭＳ Ｐゴシック" charset="0"/>
                 <a:cs typeface="ＭＳ Ｐゴシック" charset="0"/>
               </a:rPr>
@@ -8495,61 +8937,30 @@
             </a:r>
           </a:p>
           <a:p>
-            <a:pPr marL="395287" lvl="1" indent="0">
+            <a:pPr lvl="1">
               <a:buFontTx/>
               <a:buNone/>
-              <a:defRPr/>
-            </a:pPr>
-            <a:r>
-              <a:rPr lang="en-US" dirty="0">
-                <a:ea typeface="ＭＳ Ｐゴシック" charset="0"/>
-              </a:rPr>
-              <a:t>~P V Q = P</a:t>
-            </a:r>
-            <a:r>
-              <a:rPr lang="en-US" dirty="0">
-                <a:latin typeface="Wingdings" charset="0"/>
+            </a:pPr>
+            <a:r>
+              <a:rPr lang="en-US" sz="2400" dirty="0">
+                <a:latin typeface="Calibri" charset="0"/>
+                <a:ea typeface="ＭＳ Ｐゴシック" charset="0"/>
+              </a:rPr>
+              <a:t>~P V ~Q V R    </a:t>
+            </a:r>
+            <a:r>
+              <a:rPr lang="en-US" sz="2400" dirty="0"/>
+              <a:t>⇔   </a:t>
+            </a:r>
+            <a:r>
+              <a:rPr lang="en-US" sz="2400" dirty="0">
                 <a:ea typeface="ＭＳ Ｐゴシック" charset="0"/>
                 <a:cs typeface="Wingdings" charset="0"/>
               </a:rPr>
-              <a:t></a:t>
-            </a:r>
-            <a:r>
-              <a:rPr lang="en-US" dirty="0">
-                <a:ea typeface="ＭＳ Ｐゴシック" charset="0"/>
-              </a:rPr>
-              <a:t>Q</a:t>
-            </a:r>
-          </a:p>
-          <a:p>
-            <a:pPr marL="395287" lvl="1" indent="0">
-              <a:buFontTx/>
-              <a:buNone/>
-              <a:defRPr/>
-            </a:pPr>
-            <a:r>
-              <a:rPr lang="en-US" dirty="0">
-                <a:ea typeface="ＭＳ Ｐゴシック" charset="0"/>
-              </a:rPr>
-              <a:t>~P V ~Q V R =</a:t>
-            </a:r>
-            <a:r>
-              <a:rPr lang="en-US" dirty="0">
-                <a:latin typeface="Wingdings" charset="0"/>
-                <a:ea typeface="ＭＳ Ｐゴシック" charset="0"/>
-                <a:cs typeface="Wingdings" charset="0"/>
-              </a:rPr>
-              <a:t> </a:t>
-            </a:r>
-            <a:r>
-              <a:rPr lang="en-US" dirty="0">
-                <a:ea typeface="ＭＳ Ｐゴシック" charset="0"/>
-                <a:cs typeface="Wingdings" charset="0"/>
-              </a:rPr>
               <a:t>P </a:t>
             </a:r>
             <a:r>
-              <a:rPr lang="en-US" dirty="0">
+              <a:rPr lang="en-US" sz="2400" dirty="0">
                 <a:latin typeface="ＭＳ ゴシック" charset="0"/>
                 <a:ea typeface="ＭＳ ゴシック" charset="0"/>
                 <a:cs typeface="ＭＳ ゴシック" charset="0"/>
@@ -8557,14 +8968,14 @@
               <a:t>∧</a:t>
             </a:r>
             <a:r>
-              <a:rPr lang="en-US" dirty="0">
+              <a:rPr lang="en-US" sz="2400" dirty="0">
                 <a:ea typeface="ＭＳ ゴシック" charset="0"/>
                 <a:cs typeface="ＭＳ ゴシック" charset="0"/>
               </a:rPr>
               <a:t> Q  </a:t>
             </a:r>
             <a:r>
-              <a:rPr lang="en-US" dirty="0">
+              <a:rPr lang="en-US" sz="2400" dirty="0">
                 <a:latin typeface="Wingdings" charset="0"/>
                 <a:ea typeface="ＭＳ Ｐゴシック" charset="0"/>
                 <a:cs typeface="Wingdings" charset="0"/>
@@ -8572,28 +8983,48 @@
               <a:t></a:t>
             </a:r>
             <a:r>
-              <a:rPr lang="en-US" dirty="0">
+              <a:rPr lang="en-US" sz="2400" dirty="0">
                 <a:ea typeface="ＭＳ Ｐゴシック" charset="0"/>
                 <a:cs typeface="Wingdings" charset="0"/>
               </a:rPr>
-              <a:t>R</a:t>
-            </a:r>
-          </a:p>
-          <a:p>
-            <a:pPr marL="395287" lvl="1" indent="0">
-              <a:buFontTx/>
+              <a:t>R   </a:t>
+            </a:r>
+            <a:r>
+              <a:rPr lang="en-US" sz="2000" dirty="0">
+                <a:ea typeface="ＭＳ Ｐゴシック" charset="0"/>
+                <a:cs typeface="Wingdings" charset="0"/>
+              </a:rPr>
+              <a:t>(R true of both P and Q true)</a:t>
+            </a:r>
+            <a:endParaRPr lang="en-US" sz="2000" dirty="0">
+              <a:latin typeface="Calibri" charset="0"/>
+              <a:ea typeface="ＭＳ Ｐゴシック" charset="0"/>
+            </a:endParaRPr>
+          </a:p>
+          <a:p>
+            <a:pPr lvl="1">
               <a:buNone/>
-              <a:defRPr/>
-            </a:pPr>
-            <a:r>
-              <a:rPr lang="en-US" dirty="0">
+            </a:pPr>
+            <a:r>
+              <a:rPr lang="en-US" sz="2400" dirty="0">
+                <a:latin typeface="Calibri" charset="0"/>
+                <a:ea typeface="ＭＳ Ｐゴシック" charset="0"/>
+              </a:rPr>
+              <a:t>~P V ~Q           </a:t>
+            </a:r>
+            <a:r>
+              <a:rPr lang="en-US" sz="2400" dirty="0"/>
+              <a:t>⇔   </a:t>
+            </a:r>
+            <a:r>
+              <a:rPr lang="en-US" sz="2400" dirty="0">
                 <a:ea typeface="ＭＳ Ｐゴシック" charset="0"/>
                 <a:cs typeface="Wingdings" charset="0"/>
               </a:rPr>
-              <a:t>~P V ~Q  =  P </a:t>
-            </a:r>
-            <a:r>
-              <a:rPr lang="en-US" dirty="0">
+              <a:t>P </a:t>
+            </a:r>
+            <a:r>
+              <a:rPr lang="en-US" sz="2400" dirty="0">
                 <a:latin typeface="ＭＳ ゴシック" charset="0"/>
                 <a:ea typeface="ＭＳ ゴシック" charset="0"/>
                 <a:cs typeface="ＭＳ ゴシック" charset="0"/>
@@ -8601,14 +9032,14 @@
               <a:t>∧</a:t>
             </a:r>
             <a:r>
-              <a:rPr lang="en-US" dirty="0">
+              <a:rPr lang="en-US" sz="2400" dirty="0">
                 <a:ea typeface="ＭＳ ゴシック" charset="0"/>
                 <a:cs typeface="ＭＳ ゴシック" charset="0"/>
               </a:rPr>
               <a:t> Q  </a:t>
             </a:r>
             <a:r>
-              <a:rPr lang="en-US" dirty="0">
+              <a:rPr lang="en-US" sz="2400" dirty="0">
                 <a:latin typeface="Wingdings" charset="0"/>
                 <a:ea typeface="ＭＳ Ｐゴシック" charset="0"/>
                 <a:cs typeface="Wingdings" charset="0"/>
@@ -8616,19 +9047,61 @@
               <a:t></a:t>
             </a:r>
             <a:r>
-              <a:rPr lang="en-US" dirty="0">
+              <a:rPr lang="en-US" dirty="0"/>
+              <a:t>⊥  </a:t>
+            </a:r>
+            <a:r>
+              <a:rPr lang="en-US" sz="2000" dirty="0"/>
+              <a:t>(contradiction if both P and Q true))</a:t>
+            </a:r>
+            <a:endParaRPr lang="en-US" sz="1800" dirty="0">
+              <a:latin typeface="Calibri" charset="0"/>
+              <a:ea typeface="ＭＳ Ｐゴシック" charset="0"/>
+            </a:endParaRPr>
+          </a:p>
+          <a:p>
+            <a:pPr lvl="1">
+              <a:buNone/>
+            </a:pPr>
+            <a:r>
+              <a:rPr lang="en-US" sz="2400" dirty="0">
+                <a:latin typeface="Calibri" charset="0"/>
+                <a:ea typeface="ＭＳ Ｐゴシック" charset="0"/>
+                <a:cs typeface="ＭＳ Ｐゴシック" charset="0"/>
+              </a:rPr>
+              <a:t>R                      </a:t>
+            </a:r>
+            <a:r>
+              <a:rPr lang="en-US" sz="2400" dirty="0"/>
+              <a:t>⇔    </a:t>
+            </a:r>
+            <a:r>
+              <a:rPr lang="en-US" sz="2400" dirty="0">
+                <a:latin typeface="Wingdings" charset="0"/>
                 <a:ea typeface="ＭＳ Ｐゴシック" charset="0"/>
                 <a:cs typeface="Wingdings" charset="0"/>
               </a:rPr>
-              <a:t> </a:t>
-            </a:r>
+              <a:t> </a:t>
+            </a:r>
+            <a:r>
+              <a:rPr lang="en-US" sz="2400" dirty="0"/>
+              <a:t>R            </a:t>
+            </a:r>
+            <a:r>
+              <a:rPr lang="en-US" sz="2000" dirty="0"/>
+              <a:t>(R is true)</a:t>
+            </a:r>
+            <a:endParaRPr lang="en-US" sz="2000" dirty="0">
+              <a:ea typeface="ＭＳ Ｐゴシック" charset="0"/>
+              <a:cs typeface="ＭＳ Ｐゴシック" charset="0"/>
+            </a:endParaRPr>
           </a:p>
           <a:p>
             <a:pPr>
               <a:defRPr/>
             </a:pPr>
             <a:r>
-              <a:rPr lang="en-US" dirty="0">
+              <a:rPr lang="en-US" sz="2800" dirty="0">
                 <a:ea typeface="ＭＳ Ｐゴシック" charset="0"/>
                 <a:cs typeface="Wingdings" charset="0"/>
               </a:rPr>
@@ -8640,7 +9113,7 @@
               <a:defRPr/>
             </a:pPr>
             <a:r>
-              <a:rPr lang="en-US" dirty="0">
+              <a:rPr lang="en-US" sz="2400" dirty="0">
                 <a:ea typeface="ＭＳ Ｐゴシック" charset="0"/>
                 <a:cs typeface="Wingdings" charset="0"/>
               </a:rPr>
@@ -8652,7 +9125,7 @@
               <a:defRPr/>
             </a:pPr>
             <a:r>
-              <a:rPr lang="en-US" dirty="0">
+              <a:rPr lang="en-US" sz="2400" dirty="0">
                 <a:ea typeface="ＭＳ Ｐゴシック" charset="0"/>
                 <a:cs typeface="Wingdings" charset="0"/>
               </a:rPr>
@@ -8664,21 +9137,21 @@
               <a:defRPr/>
             </a:pPr>
             <a:r>
-              <a:rPr lang="en-US" dirty="0">
+              <a:rPr lang="en-US" sz="2400" dirty="0">
                 <a:ea typeface="ＭＳ Ｐゴシック" charset="0"/>
                 <a:cs typeface="Wingdings" charset="0"/>
               </a:rPr>
               <a:t>No </a:t>
             </a:r>
             <a:r>
-              <a:rPr lang="en-US" b="1" dirty="0">
+              <a:rPr lang="en-US" sz="2400" b="1" dirty="0">
                 <a:ea typeface="ＭＳ Ｐゴシック" charset="0"/>
                 <a:cs typeface="Wingdings" charset="0"/>
               </a:rPr>
               <a:t>not</a:t>
             </a:r>
             <a:r>
-              <a:rPr lang="en-US" dirty="0">
+              <a:rPr lang="en-US" sz="2400" dirty="0">
                 <a:ea typeface="ＭＳ Ｐゴシック" charset="0"/>
                 <a:cs typeface="Wingdings" charset="0"/>
               </a:rPr>
@@ -8690,11 +9163,52 @@
               <a:defRPr/>
             </a:pPr>
             <a:r>
-              <a:rPr lang="en-US" dirty="0">
+              <a:rPr lang="en-US" sz="2400" dirty="0">
                 <a:ea typeface="ＭＳ Ｐゴシック" charset="0"/>
                 <a:cs typeface="Wingdings" charset="0"/>
               </a:rPr>
-              <a:t>Atoms can be predicates (e.g., mother(X,Y))</a:t>
+              <a:t>Atoms can be predicates (e.g., person(X), mother(X,Y),</a:t>
+            </a:r>
+            <a:br>
+              <a:rPr lang="en-US" sz="2400" dirty="0">
+                <a:ea typeface="ＭＳ Ｐゴシック" charset="0"/>
+                <a:cs typeface="Wingdings" charset="0"/>
+              </a:rPr>
+            </a:br>
+            <a:r>
+              <a:rPr lang="en-US" sz="2400" dirty="0">
+                <a:ea typeface="ＭＳ Ｐゴシック" charset="0"/>
+                <a:cs typeface="Wingdings" charset="0"/>
+              </a:rPr>
+              <a:t>between(City, </a:t>
+            </a:r>
+            <a:r>
+              <a:rPr lang="en-US" sz="2400" dirty="0" err="1">
+                <a:ea typeface="ＭＳ Ｐゴシック" charset="0"/>
+                <a:cs typeface="Wingdings" charset="0"/>
+              </a:rPr>
+              <a:t>newYork</a:t>
+            </a:r>
+            <a:r>
+              <a:rPr lang="en-US" sz="2400" dirty="0">
+                <a:ea typeface="ＭＳ Ｐゴシック" charset="0"/>
+                <a:cs typeface="Wingdings" charset="0"/>
+              </a:rPr>
+              <a:t>, </a:t>
+            </a:r>
+            <a:r>
+              <a:rPr lang="en-US" sz="2400" dirty="0" err="1">
+                <a:ea typeface="ＭＳ Ｐゴシック" charset="0"/>
+                <a:cs typeface="Wingdings" charset="0"/>
+              </a:rPr>
+              <a:t>baltimore</a:t>
+            </a:r>
+            <a:r>
+              <a:rPr lang="en-US" sz="2400" dirty="0">
+                <a:ea typeface="ＭＳ Ｐゴシック" charset="0"/>
+                <a:cs typeface="Wingdings" charset="0"/>
+              </a:rPr>
+              <a:t>)</a:t>
             </a:r>
           </a:p>
           <a:p>
